--- a/materials/01_DES.pptx
+++ b/materials/01_DES.pptx
@@ -5,12 +5,18 @@
     <p:sldMasterId id="2147483648" r:id="rId4"/>
   </p:sldMasterIdLst>
   <p:notesMasterIdLst>
-    <p:notesMasterId r:id="rId8"/>
+    <p:notesMasterId r:id="rId14"/>
   </p:notesMasterIdLst>
   <p:sldIdLst>
     <p:sldId id="1046" r:id="rId5"/>
-    <p:sldId id="1052" r:id="rId6"/>
-    <p:sldId id="1079" r:id="rId7"/>
+    <p:sldId id="1081" r:id="rId6"/>
+    <p:sldId id="1052" r:id="rId7"/>
+    <p:sldId id="1080" r:id="rId8"/>
+    <p:sldId id="1082" r:id="rId9"/>
+    <p:sldId id="1083" r:id="rId10"/>
+    <p:sldId id="1084" r:id="rId11"/>
+    <p:sldId id="1085" r:id="rId12"/>
+    <p:sldId id="1079" r:id="rId13"/>
   </p:sldIdLst>
   <p:sldSz cx="12192000" cy="6858000"/>
   <p:notesSz cx="6858000" cy="9144000"/>
@@ -115,17 +121,6 @@
     </p:ext>
   </p:extLst>
 </p:presentation>
-</file>
-
-<file path=ppt/revisionInfo.xml><?xml version="1.0" encoding="utf-8"?>
-<p1510:revInfo xmlns:a="http://schemas.openxmlformats.org/drawingml/2006/main" xmlns:r="http://schemas.openxmlformats.org/officeDocument/2006/relationships" xmlns:p1510="http://schemas.microsoft.com/office/powerpoint/2015/10/main">
-  <p1510:revLst>
-    <p1510:client id="{1C754E17-F4C1-DA44-68A0-12F0D9E02299}" v="163" dt="2024-10-24T12:00:46.280"/>
-    <p1510:client id="{3386F1E1-383E-54AC-6936-A35E2C84F8C8}" v="124" dt="2024-10-24T11:56:16.523"/>
-    <p1510:client id="{B75E930D-5E45-1C43-B22A-EB7A887D4510}" v="826" dt="2024-10-24T17:46:57.136"/>
-    <p1510:client id="{EF2D0F1B-141F-5943-3652-63BD3E557E8F}" v="112" dt="2024-10-24T12:02:55.926"/>
-  </p1510:revLst>
-</p1510:revInfo>
 </file>
 
 <file path=ppt/notesMasters/notesMaster1.xml><?xml version="1.0" encoding="utf-8"?>
@@ -3762,7 +3757,13 @@
   <p:cSld>
     <p:spTree>
       <p:nvGrpSpPr>
-        <p:cNvPr id="1" name=""/>
+        <p:cNvPr id="1" name="">
+          <a:extLst>
+            <a:ext uri="{FF2B5EF4-FFF2-40B4-BE49-F238E27FC236}">
+              <a16:creationId xmlns:a16="http://schemas.microsoft.com/office/drawing/2014/main" id="{77B2AE6C-9231-BFB2-20CC-0138389D7B83}"/>
+            </a:ext>
+          </a:extLst>
+        </p:cNvPr>
         <p:cNvGrpSpPr/>
         <p:nvPr/>
       </p:nvGrpSpPr>
@@ -3779,7 +3780,7 @@
           <p:cNvPr id="2" name="Title 1">
             <a:extLst>
               <a:ext uri="{FF2B5EF4-FFF2-40B4-BE49-F238E27FC236}">
-                <a16:creationId xmlns:a16="http://schemas.microsoft.com/office/drawing/2014/main" id="{504B3628-7107-EFB3-3A28-DE8228B6892C}"/>
+                <a16:creationId xmlns:a16="http://schemas.microsoft.com/office/drawing/2014/main" id="{D5906952-DCF7-DA72-4CF4-1CBE4474779A}"/>
               </a:ext>
             </a:extLst>
           </p:cNvPr>
@@ -3807,7 +3808,7 @@
           <p:cNvPr id="12" name="Content Placeholder 11">
             <a:extLst>
               <a:ext uri="{FF2B5EF4-FFF2-40B4-BE49-F238E27FC236}">
-                <a16:creationId xmlns:a16="http://schemas.microsoft.com/office/drawing/2014/main" id="{AEB3DC46-EE04-007C-A554-32E0D9258BF2}"/>
+                <a16:creationId xmlns:a16="http://schemas.microsoft.com/office/drawing/2014/main" id="{47EA2F6C-467F-5B51-DEE5-5841F3C35E8F}"/>
               </a:ext>
             </a:extLst>
           </p:cNvPr>
@@ -3836,7 +3837,7 @@
           <p:cNvPr id="10" name="Content Placeholder 9">
             <a:extLst>
               <a:ext uri="{FF2B5EF4-FFF2-40B4-BE49-F238E27FC236}">
-                <a16:creationId xmlns:a16="http://schemas.microsoft.com/office/drawing/2014/main" id="{8619EDC0-498B-E911-771D-1AE679EC5B45}"/>
+                <a16:creationId xmlns:a16="http://schemas.microsoft.com/office/drawing/2014/main" id="{87F66A51-CE42-1C39-9AFD-F911E454A26E}"/>
               </a:ext>
             </a:extLst>
           </p:cNvPr>
@@ -3863,12 +3864,6 @@
           <a:p>
             <a:r>
               <a:rPr lang="en-US" dirty="0"/>
-              <a:t>Spawn cancer-free at 40</a:t>
-            </a:r>
-          </a:p>
-          <a:p>
-            <a:r>
-              <a:rPr lang="en-US" dirty="0"/>
               <a:t>Stop the simulation at 110</a:t>
             </a:r>
           </a:p>
@@ -3879,7 +3874,7 @@
           <p:cNvPr id="13" name="TextBox 12">
             <a:extLst>
               <a:ext uri="{FF2B5EF4-FFF2-40B4-BE49-F238E27FC236}">
-                <a16:creationId xmlns:a16="http://schemas.microsoft.com/office/drawing/2014/main" id="{444EE5AB-29FB-8089-B3EA-A0BFD3FF5B04}"/>
+                <a16:creationId xmlns:a16="http://schemas.microsoft.com/office/drawing/2014/main" id="{2E766AC9-9FB9-B76A-106C-1391AC138726}"/>
               </a:ext>
             </a:extLst>
           </p:cNvPr>
@@ -3909,6 +3904,148 @@
           </a:p>
         </p:txBody>
       </p:sp>
+    </p:spTree>
+    <p:extLst>
+      <p:ext uri="{BB962C8B-B14F-4D97-AF65-F5344CB8AC3E}">
+        <p14:creationId xmlns:p14="http://schemas.microsoft.com/office/powerpoint/2010/main" val="2374348497"/>
+      </p:ext>
+    </p:extLst>
+  </p:cSld>
+  <p:clrMapOvr>
+    <a:masterClrMapping/>
+  </p:clrMapOvr>
+</p:sld>
+</file>
+
+<file path=ppt/slides/slide3.xml><?xml version="1.0" encoding="utf-8"?>
+<p:sld xmlns:a="http://schemas.openxmlformats.org/drawingml/2006/main" xmlns:r="http://schemas.openxmlformats.org/officeDocument/2006/relationships" xmlns:p="http://schemas.openxmlformats.org/presentationml/2006/main">
+  <p:cSld>
+    <p:spTree>
+      <p:nvGrpSpPr>
+        <p:cNvPr id="1" name=""/>
+        <p:cNvGrpSpPr/>
+        <p:nvPr/>
+      </p:nvGrpSpPr>
+      <p:grpSpPr>
+        <a:xfrm>
+          <a:off x="0" y="0"/>
+          <a:ext cx="0" cy="0"/>
+          <a:chOff x="0" y="0"/>
+          <a:chExt cx="0" cy="0"/>
+        </a:xfrm>
+      </p:grpSpPr>
+      <p:sp>
+        <p:nvSpPr>
+          <p:cNvPr id="2" name="Title 1">
+            <a:extLst>
+              <a:ext uri="{FF2B5EF4-FFF2-40B4-BE49-F238E27FC236}">
+                <a16:creationId xmlns:a16="http://schemas.microsoft.com/office/drawing/2014/main" id="{504B3628-7107-EFB3-3A28-DE8228B6892C}"/>
+              </a:ext>
+            </a:extLst>
+          </p:cNvPr>
+          <p:cNvSpPr>
+            <a:spLocks noGrp="1"/>
+          </p:cNvSpPr>
+          <p:nvPr>
+            <p:ph type="title"/>
+          </p:nvPr>
+        </p:nvSpPr>
+        <p:spPr/>
+        <p:txBody>
+          <a:bodyPr/>
+          <a:lstStyle/>
+          <a:p>
+            <a:r>
+              <a:rPr lang="en-US" dirty="0"/>
+              <a:t>Notation </a:t>
+            </a:r>
+          </a:p>
+        </p:txBody>
+      </p:sp>
+      <p:sp>
+        <p:nvSpPr>
+          <p:cNvPr id="10" name="Content Placeholder 9">
+            <a:extLst>
+              <a:ext uri="{FF2B5EF4-FFF2-40B4-BE49-F238E27FC236}">
+                <a16:creationId xmlns:a16="http://schemas.microsoft.com/office/drawing/2014/main" id="{8619EDC0-498B-E911-771D-1AE679EC5B45}"/>
+              </a:ext>
+            </a:extLst>
+          </p:cNvPr>
+          <p:cNvSpPr>
+            <a:spLocks noGrp="1"/>
+          </p:cNvSpPr>
+          <p:nvPr>
+            <p:ph sz="half" idx="1"/>
+          </p:nvPr>
+        </p:nvSpPr>
+        <p:spPr/>
+        <p:txBody>
+          <a:bodyPr/>
+          <a:lstStyle/>
+          <a:p>
+            <a:pPr marL="0" indent="0">
+              <a:buNone/>
+            </a:pPr>
+            <a:r>
+              <a:rPr lang="en-US" dirty="0"/>
+              <a:t>We are interested in the interval from 40  to 110</a:t>
+            </a:r>
+          </a:p>
+          <a:p>
+            <a:r>
+              <a:rPr lang="en-US" dirty="0"/>
+              <a:t>Spawn cancer-free at 40</a:t>
+            </a:r>
+          </a:p>
+          <a:p>
+            <a:r>
+              <a:rPr lang="en-US" dirty="0"/>
+              <a:t>Stop the simulation at 110</a:t>
+            </a:r>
+          </a:p>
+          <a:p>
+            <a:endParaRPr lang="en-US" dirty="0"/>
+          </a:p>
+          <a:p>
+            <a:pPr marL="0" indent="0">
+              <a:buNone/>
+            </a:pPr>
+            <a:r>
+              <a:rPr lang="en-US" dirty="0"/>
+              <a:t>All our cancer-related events may occur in the shaded window.</a:t>
+            </a:r>
+          </a:p>
+        </p:txBody>
+      </p:sp>
+      <p:pic>
+        <p:nvPicPr>
+          <p:cNvPr id="25" name="Content Placeholder 24">
+            <a:extLst>
+              <a:ext uri="{FF2B5EF4-FFF2-40B4-BE49-F238E27FC236}">
+                <a16:creationId xmlns:a16="http://schemas.microsoft.com/office/drawing/2014/main" id="{2A4F7E60-DED1-630C-5B20-1F2B365A0A8C}"/>
+              </a:ext>
+            </a:extLst>
+          </p:cNvPr>
+          <p:cNvPicPr>
+            <a:picLocks noGrp="1" noChangeAspect="1"/>
+          </p:cNvPicPr>
+          <p:nvPr>
+            <p:ph sz="half" idx="2"/>
+          </p:nvPr>
+        </p:nvPicPr>
+        <p:blipFill>
+          <a:blip r:embed="rId2"/>
+          <a:stretch>
+            <a:fillRect/>
+          </a:stretch>
+        </p:blipFill>
+        <p:spPr>
+          <a:xfrm>
+            <a:off x="6477000" y="2629694"/>
+            <a:ext cx="4572000" cy="2743200"/>
+          </a:xfrm>
+        </p:spPr>
+      </p:pic>
     </p:spTree>
     <p:extLst>
       <p:ext uri="{BB962C8B-B14F-4D97-AF65-F5344CB8AC3E}">
@@ -3922,7 +4059,780 @@
 </p:sld>
 </file>
 
-<file path=ppt/slides/slide3.xml><?xml version="1.0" encoding="utf-8"?>
+<file path=ppt/slides/slide4.xml><?xml version="1.0" encoding="utf-8"?>
+<p:sld xmlns:a="http://schemas.openxmlformats.org/drawingml/2006/main" xmlns:r="http://schemas.openxmlformats.org/officeDocument/2006/relationships" xmlns:p="http://schemas.openxmlformats.org/presentationml/2006/main">
+  <p:cSld>
+    <p:spTree>
+      <p:nvGrpSpPr>
+        <p:cNvPr id="1" name="">
+          <a:extLst>
+            <a:ext uri="{FF2B5EF4-FFF2-40B4-BE49-F238E27FC236}">
+              <a16:creationId xmlns:a16="http://schemas.microsoft.com/office/drawing/2014/main" id="{CDDB4DB1-5991-7908-847D-8703B2DFCCD4}"/>
+            </a:ext>
+          </a:extLst>
+        </p:cNvPr>
+        <p:cNvGrpSpPr/>
+        <p:nvPr/>
+      </p:nvGrpSpPr>
+      <p:grpSpPr>
+        <a:xfrm>
+          <a:off x="0" y="0"/>
+          <a:ext cx="0" cy="0"/>
+          <a:chOff x="0" y="0"/>
+          <a:chExt cx="0" cy="0"/>
+        </a:xfrm>
+      </p:grpSpPr>
+      <p:sp>
+        <p:nvSpPr>
+          <p:cNvPr id="2" name="Title 1">
+            <a:extLst>
+              <a:ext uri="{FF2B5EF4-FFF2-40B4-BE49-F238E27FC236}">
+                <a16:creationId xmlns:a16="http://schemas.microsoft.com/office/drawing/2014/main" id="{31EF3DE0-6A88-25E1-A495-167A7E4EA909}"/>
+              </a:ext>
+            </a:extLst>
+          </p:cNvPr>
+          <p:cNvSpPr>
+            <a:spLocks noGrp="1"/>
+          </p:cNvSpPr>
+          <p:nvPr>
+            <p:ph type="title"/>
+          </p:nvPr>
+        </p:nvSpPr>
+        <p:spPr/>
+        <p:txBody>
+          <a:bodyPr/>
+          <a:lstStyle/>
+          <a:p>
+            <a:r>
+              <a:rPr lang="en-US" dirty="0"/>
+              <a:t>Exactly one event</a:t>
+            </a:r>
+          </a:p>
+        </p:txBody>
+      </p:sp>
+      <p:sp>
+        <p:nvSpPr>
+          <p:cNvPr id="10" name="Content Placeholder 9">
+            <a:extLst>
+              <a:ext uri="{FF2B5EF4-FFF2-40B4-BE49-F238E27FC236}">
+                <a16:creationId xmlns:a16="http://schemas.microsoft.com/office/drawing/2014/main" id="{1017A1A5-712D-FF40-4A0F-C95B6BE872F7}"/>
+              </a:ext>
+            </a:extLst>
+          </p:cNvPr>
+          <p:cNvSpPr>
+            <a:spLocks noGrp="1"/>
+          </p:cNvSpPr>
+          <p:nvPr>
+            <p:ph sz="half" idx="1"/>
+          </p:nvPr>
+        </p:nvSpPr>
+        <p:spPr/>
+        <p:txBody>
+          <a:bodyPr/>
+          <a:lstStyle/>
+          <a:p>
+            <a:pPr marL="0" indent="0">
+              <a:buNone/>
+            </a:pPr>
+            <a:r>
+              <a:rPr lang="en-US" dirty="0"/>
+              <a:t>Some events shall happen </a:t>
+            </a:r>
+            <a:r>
+              <a:rPr lang="en-US" b="1" dirty="0"/>
+              <a:t>exactly once </a:t>
+            </a:r>
+            <a:r>
+              <a:rPr lang="en-US" dirty="0"/>
+              <a:t>in the interval of interest </a:t>
+            </a:r>
+          </a:p>
+          <a:p>
+            <a:r>
+              <a:rPr lang="en-US" dirty="0"/>
+              <a:t>Example: death from all causes </a:t>
+            </a:r>
+          </a:p>
+          <a:p>
+            <a:pPr marL="0" indent="0">
+              <a:buNone/>
+            </a:pPr>
+            <a:endParaRPr lang="en-US" dirty="0"/>
+          </a:p>
+          <a:p>
+            <a:pPr marL="0" indent="0">
+              <a:buNone/>
+            </a:pPr>
+            <a:endParaRPr lang="en-US" dirty="0"/>
+          </a:p>
+          <a:p>
+            <a:pPr marL="0" indent="0">
+              <a:buNone/>
+            </a:pPr>
+            <a:endParaRPr lang="en-US" dirty="0"/>
+          </a:p>
+          <a:p>
+            <a:pPr marL="0" indent="0">
+              <a:buNone/>
+            </a:pPr>
+            <a:endParaRPr lang="en-US" dirty="0"/>
+          </a:p>
+        </p:txBody>
+      </p:sp>
+      <p:pic>
+        <p:nvPicPr>
+          <p:cNvPr id="11" name="Content Placeholder 10">
+            <a:extLst>
+              <a:ext uri="{FF2B5EF4-FFF2-40B4-BE49-F238E27FC236}">
+                <a16:creationId xmlns:a16="http://schemas.microsoft.com/office/drawing/2014/main" id="{93713FC3-531B-88B0-C82A-B58CF64CA6BA}"/>
+              </a:ext>
+            </a:extLst>
+          </p:cNvPr>
+          <p:cNvPicPr>
+            <a:picLocks noGrp="1" noChangeAspect="1"/>
+          </p:cNvPicPr>
+          <p:nvPr>
+            <p:ph sz="half" idx="2"/>
+          </p:nvPr>
+        </p:nvPicPr>
+        <p:blipFill>
+          <a:blip r:embed="rId2"/>
+          <a:stretch>
+            <a:fillRect/>
+          </a:stretch>
+        </p:blipFill>
+        <p:spPr>
+          <a:xfrm>
+            <a:off x="6477000" y="2629694"/>
+            <a:ext cx="4572000" cy="2743200"/>
+          </a:xfrm>
+        </p:spPr>
+      </p:pic>
+    </p:spTree>
+    <p:extLst>
+      <p:ext uri="{BB962C8B-B14F-4D97-AF65-F5344CB8AC3E}">
+        <p14:creationId xmlns:p14="http://schemas.microsoft.com/office/powerpoint/2010/main" val="3088747873"/>
+      </p:ext>
+    </p:extLst>
+  </p:cSld>
+  <p:clrMapOvr>
+    <a:masterClrMapping/>
+  </p:clrMapOvr>
+</p:sld>
+</file>
+
+<file path=ppt/slides/slide5.xml><?xml version="1.0" encoding="utf-8"?>
+<p:sld xmlns:a="http://schemas.openxmlformats.org/drawingml/2006/main" xmlns:r="http://schemas.openxmlformats.org/officeDocument/2006/relationships" xmlns:p="http://schemas.openxmlformats.org/presentationml/2006/main">
+  <p:cSld>
+    <p:spTree>
+      <p:nvGrpSpPr>
+        <p:cNvPr id="1" name="">
+          <a:extLst>
+            <a:ext uri="{FF2B5EF4-FFF2-40B4-BE49-F238E27FC236}">
+              <a16:creationId xmlns:a16="http://schemas.microsoft.com/office/drawing/2014/main" id="{9E55FC2A-E863-3BC1-4C8E-022892A74FFD}"/>
+            </a:ext>
+          </a:extLst>
+        </p:cNvPr>
+        <p:cNvGrpSpPr/>
+        <p:nvPr/>
+      </p:nvGrpSpPr>
+      <p:grpSpPr>
+        <a:xfrm>
+          <a:off x="0" y="0"/>
+          <a:ext cx="0" cy="0"/>
+          <a:chOff x="0" y="0"/>
+          <a:chExt cx="0" cy="0"/>
+        </a:xfrm>
+      </p:grpSpPr>
+      <p:sp>
+        <p:nvSpPr>
+          <p:cNvPr id="2" name="Title 1">
+            <a:extLst>
+              <a:ext uri="{FF2B5EF4-FFF2-40B4-BE49-F238E27FC236}">
+                <a16:creationId xmlns:a16="http://schemas.microsoft.com/office/drawing/2014/main" id="{F9C2CECB-247E-6EB6-8085-1E6E32E0F7E1}"/>
+              </a:ext>
+            </a:extLst>
+          </p:cNvPr>
+          <p:cNvSpPr>
+            <a:spLocks noGrp="1"/>
+          </p:cNvSpPr>
+          <p:nvPr>
+            <p:ph type="title"/>
+          </p:nvPr>
+        </p:nvSpPr>
+        <p:spPr/>
+        <p:txBody>
+          <a:bodyPr/>
+          <a:lstStyle/>
+          <a:p>
+            <a:r>
+              <a:rPr lang="en-US" dirty="0"/>
+              <a:t>At most one event</a:t>
+            </a:r>
+          </a:p>
+        </p:txBody>
+      </p:sp>
+      <p:sp>
+        <p:nvSpPr>
+          <p:cNvPr id="10" name="Content Placeholder 9">
+            <a:extLst>
+              <a:ext uri="{FF2B5EF4-FFF2-40B4-BE49-F238E27FC236}">
+                <a16:creationId xmlns:a16="http://schemas.microsoft.com/office/drawing/2014/main" id="{75C31C46-DF44-9FE1-BAD1-F2566789EA82}"/>
+              </a:ext>
+            </a:extLst>
+          </p:cNvPr>
+          <p:cNvSpPr>
+            <a:spLocks noGrp="1"/>
+          </p:cNvSpPr>
+          <p:nvPr>
+            <p:ph sz="half" idx="1"/>
+          </p:nvPr>
+        </p:nvSpPr>
+        <p:spPr/>
+        <p:txBody>
+          <a:bodyPr/>
+          <a:lstStyle/>
+          <a:p>
+            <a:pPr marL="0" indent="0">
+              <a:buNone/>
+            </a:pPr>
+            <a:r>
+              <a:rPr lang="en-US" dirty="0"/>
+              <a:t>Some events shall happen </a:t>
+            </a:r>
+            <a:r>
+              <a:rPr lang="en-US" b="1" dirty="0"/>
+              <a:t>at most once </a:t>
+            </a:r>
+            <a:r>
+              <a:rPr lang="en-US" dirty="0"/>
+              <a:t>in the interval of interest </a:t>
+            </a:r>
+          </a:p>
+          <a:p>
+            <a:r>
+              <a:rPr lang="en-US" dirty="0"/>
+              <a:t>Example: death from cardiovascular disease (CVD) occurred at age 78</a:t>
+            </a:r>
+          </a:p>
+          <a:p>
+            <a:pPr marL="0" indent="0">
+              <a:buNone/>
+            </a:pPr>
+            <a:endParaRPr lang="en-US" dirty="0"/>
+          </a:p>
+          <a:p>
+            <a:pPr marL="0" indent="0">
+              <a:buNone/>
+            </a:pPr>
+            <a:endParaRPr lang="en-US" dirty="0"/>
+          </a:p>
+          <a:p>
+            <a:pPr marL="0" indent="0">
+              <a:buNone/>
+            </a:pPr>
+            <a:endParaRPr lang="en-US" dirty="0"/>
+          </a:p>
+          <a:p>
+            <a:pPr marL="0" indent="0">
+              <a:buNone/>
+            </a:pPr>
+            <a:endParaRPr lang="en-US" dirty="0"/>
+          </a:p>
+        </p:txBody>
+      </p:sp>
+      <p:pic>
+        <p:nvPicPr>
+          <p:cNvPr id="20" name="Content Placeholder 19">
+            <a:extLst>
+              <a:ext uri="{FF2B5EF4-FFF2-40B4-BE49-F238E27FC236}">
+                <a16:creationId xmlns:a16="http://schemas.microsoft.com/office/drawing/2014/main" id="{CD38FD12-8012-4CC7-BC47-E6AF6FEE498C}"/>
+              </a:ext>
+            </a:extLst>
+          </p:cNvPr>
+          <p:cNvPicPr>
+            <a:picLocks noGrp="1" noChangeAspect="1"/>
+          </p:cNvPicPr>
+          <p:nvPr>
+            <p:ph sz="half" idx="2"/>
+          </p:nvPr>
+        </p:nvPicPr>
+        <p:blipFill>
+          <a:blip r:embed="rId2"/>
+          <a:stretch>
+            <a:fillRect/>
+          </a:stretch>
+        </p:blipFill>
+        <p:spPr>
+          <a:xfrm>
+            <a:off x="6477000" y="2629694"/>
+            <a:ext cx="4572000" cy="2743200"/>
+          </a:xfrm>
+        </p:spPr>
+      </p:pic>
+    </p:spTree>
+    <p:extLst>
+      <p:ext uri="{BB962C8B-B14F-4D97-AF65-F5344CB8AC3E}">
+        <p14:creationId xmlns:p14="http://schemas.microsoft.com/office/powerpoint/2010/main" val="2981213137"/>
+      </p:ext>
+    </p:extLst>
+  </p:cSld>
+  <p:clrMapOvr>
+    <a:masterClrMapping/>
+  </p:clrMapOvr>
+</p:sld>
+</file>
+
+<file path=ppt/slides/slide6.xml><?xml version="1.0" encoding="utf-8"?>
+<p:sld xmlns:a="http://schemas.openxmlformats.org/drawingml/2006/main" xmlns:r="http://schemas.openxmlformats.org/officeDocument/2006/relationships" xmlns:p="http://schemas.openxmlformats.org/presentationml/2006/main">
+  <p:cSld>
+    <p:spTree>
+      <p:nvGrpSpPr>
+        <p:cNvPr id="1" name="">
+          <a:extLst>
+            <a:ext uri="{FF2B5EF4-FFF2-40B4-BE49-F238E27FC236}">
+              <a16:creationId xmlns:a16="http://schemas.microsoft.com/office/drawing/2014/main" id="{EB071B95-DF28-D78F-E85C-95698334F792}"/>
+            </a:ext>
+          </a:extLst>
+        </p:cNvPr>
+        <p:cNvGrpSpPr/>
+        <p:nvPr/>
+      </p:nvGrpSpPr>
+      <p:grpSpPr>
+        <a:xfrm>
+          <a:off x="0" y="0"/>
+          <a:ext cx="0" cy="0"/>
+          <a:chOff x="0" y="0"/>
+          <a:chExt cx="0" cy="0"/>
+        </a:xfrm>
+      </p:grpSpPr>
+      <p:sp>
+        <p:nvSpPr>
+          <p:cNvPr id="2" name="Title 1">
+            <a:extLst>
+              <a:ext uri="{FF2B5EF4-FFF2-40B4-BE49-F238E27FC236}">
+                <a16:creationId xmlns:a16="http://schemas.microsoft.com/office/drawing/2014/main" id="{1CA0487D-3AC9-BA1F-587C-FE9B5B5FF5C9}"/>
+              </a:ext>
+            </a:extLst>
+          </p:cNvPr>
+          <p:cNvSpPr>
+            <a:spLocks noGrp="1"/>
+          </p:cNvSpPr>
+          <p:nvPr>
+            <p:ph type="title"/>
+          </p:nvPr>
+        </p:nvSpPr>
+        <p:spPr/>
+        <p:txBody>
+          <a:bodyPr/>
+          <a:lstStyle/>
+          <a:p>
+            <a:r>
+              <a:rPr lang="en-US" dirty="0"/>
+              <a:t>At most one event</a:t>
+            </a:r>
+          </a:p>
+        </p:txBody>
+      </p:sp>
+      <p:sp>
+        <p:nvSpPr>
+          <p:cNvPr id="10" name="Content Placeholder 9">
+            <a:extLst>
+              <a:ext uri="{FF2B5EF4-FFF2-40B4-BE49-F238E27FC236}">
+                <a16:creationId xmlns:a16="http://schemas.microsoft.com/office/drawing/2014/main" id="{13F0F9BA-16B2-3027-0B88-256161F9F602}"/>
+              </a:ext>
+            </a:extLst>
+          </p:cNvPr>
+          <p:cNvSpPr>
+            <a:spLocks noGrp="1"/>
+          </p:cNvSpPr>
+          <p:nvPr>
+            <p:ph sz="half" idx="1"/>
+          </p:nvPr>
+        </p:nvSpPr>
+        <p:spPr/>
+        <p:txBody>
+          <a:bodyPr/>
+          <a:lstStyle/>
+          <a:p>
+            <a:pPr marL="0" indent="0">
+              <a:buNone/>
+            </a:pPr>
+            <a:r>
+              <a:rPr lang="en-US" dirty="0"/>
+              <a:t>Some events shall happen </a:t>
+            </a:r>
+            <a:r>
+              <a:rPr lang="en-US" b="1" dirty="0"/>
+              <a:t>at most once </a:t>
+            </a:r>
+            <a:r>
+              <a:rPr lang="en-US" dirty="0"/>
+              <a:t>in the interval of interest </a:t>
+            </a:r>
+          </a:p>
+          <a:p>
+            <a:r>
+              <a:rPr lang="en-US" dirty="0"/>
+              <a:t>Example: death from CVD does not occur</a:t>
+            </a:r>
+          </a:p>
+          <a:p>
+            <a:pPr marL="0" indent="0">
+              <a:buNone/>
+            </a:pPr>
+            <a:endParaRPr lang="en-US" dirty="0"/>
+          </a:p>
+          <a:p>
+            <a:pPr marL="0" indent="0">
+              <a:buNone/>
+            </a:pPr>
+            <a:endParaRPr lang="en-US" dirty="0"/>
+          </a:p>
+          <a:p>
+            <a:pPr marL="0" indent="0">
+              <a:buNone/>
+            </a:pPr>
+            <a:endParaRPr lang="en-US" dirty="0"/>
+          </a:p>
+          <a:p>
+            <a:pPr marL="0" indent="0">
+              <a:buNone/>
+            </a:pPr>
+            <a:endParaRPr lang="en-US" dirty="0"/>
+          </a:p>
+        </p:txBody>
+      </p:sp>
+      <p:pic>
+        <p:nvPicPr>
+          <p:cNvPr id="12" name="Content Placeholder 11">
+            <a:extLst>
+              <a:ext uri="{FF2B5EF4-FFF2-40B4-BE49-F238E27FC236}">
+                <a16:creationId xmlns:a16="http://schemas.microsoft.com/office/drawing/2014/main" id="{39E63DC5-D7F4-A016-7698-A11F6A2B52B4}"/>
+              </a:ext>
+            </a:extLst>
+          </p:cNvPr>
+          <p:cNvPicPr>
+            <a:picLocks noGrp="1" noChangeAspect="1"/>
+          </p:cNvPicPr>
+          <p:nvPr>
+            <p:ph sz="half" idx="2"/>
+          </p:nvPr>
+        </p:nvPicPr>
+        <p:blipFill>
+          <a:blip r:embed="rId2"/>
+          <a:stretch>
+            <a:fillRect/>
+          </a:stretch>
+        </p:blipFill>
+        <p:spPr>
+          <a:xfrm>
+            <a:off x="6477000" y="2629694"/>
+            <a:ext cx="4572000" cy="2743200"/>
+          </a:xfrm>
+        </p:spPr>
+      </p:pic>
+    </p:spTree>
+    <p:extLst>
+      <p:ext uri="{BB962C8B-B14F-4D97-AF65-F5344CB8AC3E}">
+        <p14:creationId xmlns:p14="http://schemas.microsoft.com/office/powerpoint/2010/main" val="2035505641"/>
+      </p:ext>
+    </p:extLst>
+  </p:cSld>
+  <p:clrMapOvr>
+    <a:masterClrMapping/>
+  </p:clrMapOvr>
+</p:sld>
+</file>
+
+<file path=ppt/slides/slide7.xml><?xml version="1.0" encoding="utf-8"?>
+<p:sld xmlns:a="http://schemas.openxmlformats.org/drawingml/2006/main" xmlns:r="http://schemas.openxmlformats.org/officeDocument/2006/relationships" xmlns:p="http://schemas.openxmlformats.org/presentationml/2006/main">
+  <p:cSld>
+    <p:spTree>
+      <p:nvGrpSpPr>
+        <p:cNvPr id="1" name="">
+          <a:extLst>
+            <a:ext uri="{FF2B5EF4-FFF2-40B4-BE49-F238E27FC236}">
+              <a16:creationId xmlns:a16="http://schemas.microsoft.com/office/drawing/2014/main" id="{F1EB297E-7934-2E3F-1DA3-1CADD4C9C468}"/>
+            </a:ext>
+          </a:extLst>
+        </p:cNvPr>
+        <p:cNvGrpSpPr/>
+        <p:nvPr/>
+      </p:nvGrpSpPr>
+      <p:grpSpPr>
+        <a:xfrm>
+          <a:off x="0" y="0"/>
+          <a:ext cx="0" cy="0"/>
+          <a:chOff x="0" y="0"/>
+          <a:chExt cx="0" cy="0"/>
+        </a:xfrm>
+      </p:grpSpPr>
+      <p:sp>
+        <p:nvSpPr>
+          <p:cNvPr id="2" name="Title 1">
+            <a:extLst>
+              <a:ext uri="{FF2B5EF4-FFF2-40B4-BE49-F238E27FC236}">
+                <a16:creationId xmlns:a16="http://schemas.microsoft.com/office/drawing/2014/main" id="{820AA2A9-4EC0-104B-6E38-D58D785D093F}"/>
+              </a:ext>
+            </a:extLst>
+          </p:cNvPr>
+          <p:cNvSpPr>
+            <a:spLocks noGrp="1"/>
+          </p:cNvSpPr>
+          <p:nvPr>
+            <p:ph type="title"/>
+          </p:nvPr>
+        </p:nvSpPr>
+        <p:spPr/>
+        <p:txBody>
+          <a:bodyPr/>
+          <a:lstStyle/>
+          <a:p>
+            <a:r>
+              <a:rPr lang="en-US" dirty="0"/>
+              <a:t>Zero, one, or more events</a:t>
+            </a:r>
+          </a:p>
+        </p:txBody>
+      </p:sp>
+      <p:sp>
+        <p:nvSpPr>
+          <p:cNvPr id="10" name="Content Placeholder 9">
+            <a:extLst>
+              <a:ext uri="{FF2B5EF4-FFF2-40B4-BE49-F238E27FC236}">
+                <a16:creationId xmlns:a16="http://schemas.microsoft.com/office/drawing/2014/main" id="{BBF9BE2F-BAB1-0804-90F6-B5E6FE7F66DD}"/>
+              </a:ext>
+            </a:extLst>
+          </p:cNvPr>
+          <p:cNvSpPr>
+            <a:spLocks noGrp="1"/>
+          </p:cNvSpPr>
+          <p:nvPr>
+            <p:ph sz="half" idx="1"/>
+          </p:nvPr>
+        </p:nvSpPr>
+        <p:spPr/>
+        <p:txBody>
+          <a:bodyPr/>
+          <a:lstStyle/>
+          <a:p>
+            <a:pPr marL="0" indent="0">
+              <a:buNone/>
+            </a:pPr>
+            <a:r>
+              <a:rPr lang="en-US" dirty="0"/>
+              <a:t>Some events may happen zero, one or more times</a:t>
+            </a:r>
+            <a:r>
+              <a:rPr lang="en-US" b="1" dirty="0"/>
+              <a:t> </a:t>
+            </a:r>
+            <a:r>
+              <a:rPr lang="en-US" dirty="0"/>
+              <a:t>in the interval of interest </a:t>
+            </a:r>
+          </a:p>
+          <a:p>
+            <a:r>
+              <a:rPr lang="en-US" dirty="0"/>
+              <a:t>Example: occurrence of lesions at 55 and 68 years</a:t>
+            </a:r>
+          </a:p>
+          <a:p>
+            <a:pPr marL="0" indent="0">
+              <a:buNone/>
+            </a:pPr>
+            <a:endParaRPr lang="en-US" dirty="0"/>
+          </a:p>
+          <a:p>
+            <a:pPr marL="0" indent="0">
+              <a:buNone/>
+            </a:pPr>
+            <a:endParaRPr lang="en-US" dirty="0"/>
+          </a:p>
+          <a:p>
+            <a:pPr marL="0" indent="0">
+              <a:buNone/>
+            </a:pPr>
+            <a:endParaRPr lang="en-US" dirty="0"/>
+          </a:p>
+          <a:p>
+            <a:pPr marL="0" indent="0">
+              <a:buNone/>
+            </a:pPr>
+            <a:endParaRPr lang="en-US" dirty="0"/>
+          </a:p>
+        </p:txBody>
+      </p:sp>
+      <p:pic>
+        <p:nvPicPr>
+          <p:cNvPr id="6" name="Content Placeholder 5">
+            <a:extLst>
+              <a:ext uri="{FF2B5EF4-FFF2-40B4-BE49-F238E27FC236}">
+                <a16:creationId xmlns:a16="http://schemas.microsoft.com/office/drawing/2014/main" id="{57AA3D46-2814-0C64-8277-270F84DEAD8C}"/>
+              </a:ext>
+            </a:extLst>
+          </p:cNvPr>
+          <p:cNvPicPr>
+            <a:picLocks noGrp="1" noChangeAspect="1"/>
+          </p:cNvPicPr>
+          <p:nvPr>
+            <p:ph sz="half" idx="2"/>
+          </p:nvPr>
+        </p:nvPicPr>
+        <p:blipFill>
+          <a:blip r:embed="rId2"/>
+          <a:stretch>
+            <a:fillRect/>
+          </a:stretch>
+        </p:blipFill>
+        <p:spPr>
+          <a:xfrm>
+            <a:off x="6477000" y="2629694"/>
+            <a:ext cx="4572000" cy="2743200"/>
+          </a:xfrm>
+        </p:spPr>
+      </p:pic>
+    </p:spTree>
+    <p:extLst>
+      <p:ext uri="{BB962C8B-B14F-4D97-AF65-F5344CB8AC3E}">
+        <p14:creationId xmlns:p14="http://schemas.microsoft.com/office/powerpoint/2010/main" val="1701159781"/>
+      </p:ext>
+    </p:extLst>
+  </p:cSld>
+  <p:clrMapOvr>
+    <a:masterClrMapping/>
+  </p:clrMapOvr>
+</p:sld>
+</file>
+
+<file path=ppt/slides/slide8.xml><?xml version="1.0" encoding="utf-8"?>
+<p:sld xmlns:a="http://schemas.openxmlformats.org/drawingml/2006/main" xmlns:r="http://schemas.openxmlformats.org/officeDocument/2006/relationships" xmlns:p="http://schemas.openxmlformats.org/presentationml/2006/main">
+  <p:cSld>
+    <p:spTree>
+      <p:nvGrpSpPr>
+        <p:cNvPr id="1" name=""/>
+        <p:cNvGrpSpPr/>
+        <p:nvPr/>
+      </p:nvGrpSpPr>
+      <p:grpSpPr>
+        <a:xfrm>
+          <a:off x="0" y="0"/>
+          <a:ext cx="0" cy="0"/>
+          <a:chOff x="0" y="0"/>
+          <a:chExt cx="0" cy="0"/>
+        </a:xfrm>
+      </p:grpSpPr>
+      <p:sp>
+        <p:nvSpPr>
+          <p:cNvPr id="2" name="Title 1">
+            <a:extLst>
+              <a:ext uri="{FF2B5EF4-FFF2-40B4-BE49-F238E27FC236}">
+                <a16:creationId xmlns:a16="http://schemas.microsoft.com/office/drawing/2014/main" id="{8201683B-C269-B078-0AA5-FFAFAE5D2ED3}"/>
+              </a:ext>
+            </a:extLst>
+          </p:cNvPr>
+          <p:cNvSpPr>
+            <a:spLocks noGrp="1"/>
+          </p:cNvSpPr>
+          <p:nvPr>
+            <p:ph type="title"/>
+          </p:nvPr>
+        </p:nvSpPr>
+        <p:spPr/>
+        <p:txBody>
+          <a:bodyPr/>
+          <a:lstStyle/>
+          <a:p>
+            <a:r>
+              <a:rPr lang="en-US" dirty="0"/>
+              <a:t>Chained events (events in series)</a:t>
+            </a:r>
+          </a:p>
+        </p:txBody>
+      </p:sp>
+      <p:sp>
+        <p:nvSpPr>
+          <p:cNvPr id="3" name="Content Placeholder 2">
+            <a:extLst>
+              <a:ext uri="{FF2B5EF4-FFF2-40B4-BE49-F238E27FC236}">
+                <a16:creationId xmlns:a16="http://schemas.microsoft.com/office/drawing/2014/main" id="{F8619C45-26A6-2FC3-FBB3-72A5C9372E50}"/>
+              </a:ext>
+            </a:extLst>
+          </p:cNvPr>
+          <p:cNvSpPr>
+            <a:spLocks noGrp="1"/>
+          </p:cNvSpPr>
+          <p:nvPr>
+            <p:ph sz="half" idx="1"/>
+          </p:nvPr>
+        </p:nvSpPr>
+        <p:spPr/>
+        <p:txBody>
+          <a:bodyPr/>
+          <a:lstStyle/>
+          <a:p>
+            <a:pPr marL="0" indent="0">
+              <a:buNone/>
+            </a:pPr>
+            <a:r>
+              <a:rPr lang="en-US" dirty="0"/>
+              <a:t>In chained events, the subsequent event process starts when the preceding event occurs</a:t>
+            </a:r>
+          </a:p>
+          <a:p>
+            <a:r>
+              <a:rPr lang="en-US" dirty="0"/>
+              <a:t>Example: clinical cancer start after </a:t>
+            </a:r>
+            <a:r>
+              <a:rPr lang="en-US"/>
+              <a:t>cancer emergence </a:t>
+            </a:r>
+            <a:endParaRPr lang="en-US" dirty="0"/>
+          </a:p>
+        </p:txBody>
+      </p:sp>
+      <p:sp>
+        <p:nvSpPr>
+          <p:cNvPr id="4" name="Content Placeholder 3">
+            <a:extLst>
+              <a:ext uri="{FF2B5EF4-FFF2-40B4-BE49-F238E27FC236}">
+                <a16:creationId xmlns:a16="http://schemas.microsoft.com/office/drawing/2014/main" id="{D24BF0FD-995A-A167-B168-3FB4127EB0E5}"/>
+              </a:ext>
+            </a:extLst>
+          </p:cNvPr>
+          <p:cNvSpPr>
+            <a:spLocks noGrp="1"/>
+          </p:cNvSpPr>
+          <p:nvPr>
+            <p:ph sz="half" idx="2"/>
+          </p:nvPr>
+        </p:nvSpPr>
+        <p:spPr/>
+        <p:txBody>
+          <a:bodyPr/>
+          <a:lstStyle/>
+          <a:p>
+            <a:endParaRPr lang="en-US"/>
+          </a:p>
+        </p:txBody>
+      </p:sp>
+    </p:spTree>
+    <p:extLst>
+      <p:ext uri="{BB962C8B-B14F-4D97-AF65-F5344CB8AC3E}">
+        <p14:creationId xmlns:p14="http://schemas.microsoft.com/office/powerpoint/2010/main" val="1375681185"/>
+      </p:ext>
+    </p:extLst>
+  </p:cSld>
+  <p:clrMapOvr>
+    <a:masterClrMapping/>
+  </p:clrMapOvr>
+</p:sld>
+</file>
+
+<file path=ppt/slides/slide9.xml><?xml version="1.0" encoding="utf-8"?>
 <p:sld xmlns:a="http://schemas.openxmlformats.org/drawingml/2006/main" xmlns:r="http://schemas.openxmlformats.org/officeDocument/2006/relationships" xmlns:p="http://schemas.openxmlformats.org/presentationml/2006/main">
   <p:cSld>
     <p:spTree>

--- a/materials/01_DES.pptx
+++ b/materials/01_DES.pptx
@@ -5,18 +5,29 @@
     <p:sldMasterId id="2147483648" r:id="rId4"/>
   </p:sldMasterIdLst>
   <p:notesMasterIdLst>
-    <p:notesMasterId r:id="rId14"/>
+    <p:notesMasterId r:id="rId25"/>
   </p:notesMasterIdLst>
   <p:sldIdLst>
     <p:sldId id="1046" r:id="rId5"/>
-    <p:sldId id="1081" r:id="rId6"/>
-    <p:sldId id="1052" r:id="rId7"/>
-    <p:sldId id="1080" r:id="rId8"/>
-    <p:sldId id="1082" r:id="rId9"/>
-    <p:sldId id="1083" r:id="rId10"/>
-    <p:sldId id="1084" r:id="rId11"/>
-    <p:sldId id="1085" r:id="rId12"/>
-    <p:sldId id="1079" r:id="rId13"/>
+    <p:sldId id="1094" r:id="rId6"/>
+    <p:sldId id="1025" r:id="rId7"/>
+    <p:sldId id="1081" r:id="rId8"/>
+    <p:sldId id="1052" r:id="rId9"/>
+    <p:sldId id="1080" r:id="rId10"/>
+    <p:sldId id="1082" r:id="rId11"/>
+    <p:sldId id="1083" r:id="rId12"/>
+    <p:sldId id="1084" r:id="rId13"/>
+    <p:sldId id="1085" r:id="rId14"/>
+    <p:sldId id="1086" r:id="rId15"/>
+    <p:sldId id="1088" r:id="rId16"/>
+    <p:sldId id="1087" r:id="rId17"/>
+    <p:sldId id="1089" r:id="rId18"/>
+    <p:sldId id="1091" r:id="rId19"/>
+    <p:sldId id="1090" r:id="rId20"/>
+    <p:sldId id="1092" r:id="rId21"/>
+    <p:sldId id="1093" r:id="rId22"/>
+    <p:sldId id="1095" r:id="rId23"/>
+    <p:sldId id="1079" r:id="rId24"/>
   </p:sldIdLst>
   <p:sldSz cx="12192000" cy="6858000"/>
   <p:notesSz cx="6858000" cy="9144000"/>
@@ -470,6 +481,93 @@
     </a:lvl9pPr>
   </p:notesStyle>
 </p:notesMaster>
+</file>
+
+<file path=ppt/notesSlides/notesSlide1.xml><?xml version="1.0" encoding="utf-8"?>
+<p:notes xmlns:a="http://schemas.openxmlformats.org/drawingml/2006/main" xmlns:r="http://schemas.openxmlformats.org/officeDocument/2006/relationships" xmlns:p="http://schemas.openxmlformats.org/presentationml/2006/main">
+  <p:cSld>
+    <p:spTree>
+      <p:nvGrpSpPr>
+        <p:cNvPr id="1" name=""/>
+        <p:cNvGrpSpPr/>
+        <p:nvPr/>
+      </p:nvGrpSpPr>
+      <p:grpSpPr>
+        <a:xfrm>
+          <a:off x="0" y="0"/>
+          <a:ext cx="0" cy="0"/>
+          <a:chOff x="0" y="0"/>
+          <a:chExt cx="0" cy="0"/>
+        </a:xfrm>
+      </p:grpSpPr>
+      <p:sp>
+        <p:nvSpPr>
+          <p:cNvPr id="2" name="Slide Image Placeholder 1"/>
+          <p:cNvSpPr>
+            <a:spLocks noGrp="1" noRot="1" noChangeAspect="1"/>
+          </p:cNvSpPr>
+          <p:nvPr>
+            <p:ph type="sldImg"/>
+          </p:nvPr>
+        </p:nvSpPr>
+        <p:spPr/>
+      </p:sp>
+      <p:sp>
+        <p:nvSpPr>
+          <p:cNvPr id="3" name="Notes Placeholder 2"/>
+          <p:cNvSpPr>
+            <a:spLocks noGrp="1"/>
+          </p:cNvSpPr>
+          <p:nvPr>
+            <p:ph type="body" idx="1"/>
+          </p:nvPr>
+        </p:nvSpPr>
+        <p:spPr/>
+        <p:txBody>
+          <a:bodyPr/>
+          <a:lstStyle/>
+          <a:p>
+            <a:r>
+              <a:rPr lang="en-US"/>
+              <a:t>or even the time when they died</a:t>
+            </a:r>
+          </a:p>
+        </p:txBody>
+      </p:sp>
+      <p:sp>
+        <p:nvSpPr>
+          <p:cNvPr id="4" name="Slide Number Placeholder 3"/>
+          <p:cNvSpPr>
+            <a:spLocks noGrp="1"/>
+          </p:cNvSpPr>
+          <p:nvPr>
+            <p:ph type="sldNum" sz="quarter" idx="5"/>
+          </p:nvPr>
+        </p:nvSpPr>
+        <p:spPr/>
+        <p:txBody>
+          <a:bodyPr/>
+          <a:lstStyle/>
+          <a:p>
+            <a:fld id="{7ABBCDC5-E9FF-3D40-95AD-B1BB55908906}" type="slidenum">
+              <a:rPr lang="en-US" smtClean="0"/>
+              <a:t>3</a:t>
+            </a:fld>
+            <a:endParaRPr lang="en-US"/>
+          </a:p>
+        </p:txBody>
+      </p:sp>
+    </p:spTree>
+    <p:extLst>
+      <p:ext uri="{BB962C8B-B14F-4D97-AF65-F5344CB8AC3E}">
+        <p14:creationId xmlns:p14="http://schemas.microsoft.com/office/powerpoint/2010/main" val="1575202907"/>
+      </p:ext>
+    </p:extLst>
+  </p:cSld>
+  <p:clrMapOvr>
+    <a:masterClrMapping/>
+  </p:clrMapOvr>
+</p:notes>
 </file>
 
 <file path=ppt/slideLayouts/slideLayout1.xml><?xml version="1.0" encoding="utf-8"?>
@@ -3752,7 +3850,287 @@
 </p:sld>
 </file>
 
-<file path=ppt/slides/slide2.xml><?xml version="1.0" encoding="utf-8"?>
+<file path=ppt/slides/slide10.xml><?xml version="1.0" encoding="utf-8"?>
+<p:sld xmlns:a="http://schemas.openxmlformats.org/drawingml/2006/main" xmlns:r="http://schemas.openxmlformats.org/officeDocument/2006/relationships" xmlns:p="http://schemas.openxmlformats.org/presentationml/2006/main">
+  <p:cSld>
+    <p:spTree>
+      <p:nvGrpSpPr>
+        <p:cNvPr id="1" name=""/>
+        <p:cNvGrpSpPr/>
+        <p:nvPr/>
+      </p:nvGrpSpPr>
+      <p:grpSpPr>
+        <a:xfrm>
+          <a:off x="0" y="0"/>
+          <a:ext cx="0" cy="0"/>
+          <a:chOff x="0" y="0"/>
+          <a:chExt cx="0" cy="0"/>
+        </a:xfrm>
+      </p:grpSpPr>
+      <p:sp>
+        <p:nvSpPr>
+          <p:cNvPr id="2" name="Title 1">
+            <a:extLst>
+              <a:ext uri="{FF2B5EF4-FFF2-40B4-BE49-F238E27FC236}">
+                <a16:creationId xmlns:a16="http://schemas.microsoft.com/office/drawing/2014/main" id="{8201683B-C269-B078-0AA5-FFAFAE5D2ED3}"/>
+              </a:ext>
+            </a:extLst>
+          </p:cNvPr>
+          <p:cNvSpPr>
+            <a:spLocks noGrp="1"/>
+          </p:cNvSpPr>
+          <p:nvPr>
+            <p:ph type="title"/>
+          </p:nvPr>
+        </p:nvSpPr>
+        <p:spPr/>
+        <p:txBody>
+          <a:bodyPr/>
+          <a:lstStyle/>
+          <a:p>
+            <a:r>
+              <a:rPr lang="en-US" dirty="0"/>
+              <a:t>Graphical notation: Chained events (in series)</a:t>
+            </a:r>
+          </a:p>
+        </p:txBody>
+      </p:sp>
+      <p:sp>
+        <p:nvSpPr>
+          <p:cNvPr id="3" name="Content Placeholder 2">
+            <a:extLst>
+              <a:ext uri="{FF2B5EF4-FFF2-40B4-BE49-F238E27FC236}">
+                <a16:creationId xmlns:a16="http://schemas.microsoft.com/office/drawing/2014/main" id="{F8619C45-26A6-2FC3-FBB3-72A5C9372E50}"/>
+              </a:ext>
+            </a:extLst>
+          </p:cNvPr>
+          <p:cNvSpPr>
+            <a:spLocks noGrp="1"/>
+          </p:cNvSpPr>
+          <p:nvPr>
+            <p:ph sz="half" idx="1"/>
+          </p:nvPr>
+        </p:nvSpPr>
+        <p:spPr/>
+        <p:txBody>
+          <a:bodyPr/>
+          <a:lstStyle/>
+          <a:p>
+            <a:pPr marL="0" indent="0">
+              <a:buNone/>
+            </a:pPr>
+            <a:r>
+              <a:rPr lang="en-US" dirty="0"/>
+              <a:t>In chained event processes, the subsequent event starts after the preceding event obtains. </a:t>
+            </a:r>
+          </a:p>
+          <a:p>
+            <a:pPr marL="0" indent="0">
+              <a:buNone/>
+            </a:pPr>
+            <a:r>
+              <a:rPr lang="en-US" dirty="0"/>
+              <a:t>Example:</a:t>
+            </a:r>
+          </a:p>
+          <a:p>
+            <a:r>
+              <a:rPr lang="en-US" dirty="0"/>
+              <a:t>Clinical cancer diagnosis happens at 80, but the process starts only after cancer has emerged at 62</a:t>
+            </a:r>
+          </a:p>
+        </p:txBody>
+      </p:sp>
+      <p:pic>
+        <p:nvPicPr>
+          <p:cNvPr id="6" name="Content Placeholder 5">
+            <a:extLst>
+              <a:ext uri="{FF2B5EF4-FFF2-40B4-BE49-F238E27FC236}">
+                <a16:creationId xmlns:a16="http://schemas.microsoft.com/office/drawing/2014/main" id="{4CDB285C-F2E0-3EB9-D0D8-9635A3ADBB4E}"/>
+              </a:ext>
+            </a:extLst>
+          </p:cNvPr>
+          <p:cNvPicPr>
+            <a:picLocks noGrp="1" noChangeAspect="1"/>
+          </p:cNvPicPr>
+          <p:nvPr>
+            <p:ph sz="half" idx="2"/>
+          </p:nvPr>
+        </p:nvPicPr>
+        <p:blipFill>
+          <a:blip r:embed="rId2"/>
+          <a:stretch>
+            <a:fillRect/>
+          </a:stretch>
+        </p:blipFill>
+        <p:spPr>
+          <a:xfrm>
+            <a:off x="6477000" y="2629694"/>
+            <a:ext cx="4572000" cy="2743200"/>
+          </a:xfrm>
+        </p:spPr>
+      </p:pic>
+    </p:spTree>
+    <p:extLst>
+      <p:ext uri="{BB962C8B-B14F-4D97-AF65-F5344CB8AC3E}">
+        <p14:creationId xmlns:p14="http://schemas.microsoft.com/office/powerpoint/2010/main" val="1375681185"/>
+      </p:ext>
+    </p:extLst>
+  </p:cSld>
+  <p:clrMapOvr>
+    <a:masterClrMapping/>
+  </p:clrMapOvr>
+</p:sld>
+</file>
+
+<file path=ppt/slides/slide11.xml><?xml version="1.0" encoding="utf-8"?>
+<p:sld xmlns:a="http://schemas.openxmlformats.org/drawingml/2006/main" xmlns:r="http://schemas.openxmlformats.org/officeDocument/2006/relationships" xmlns:p="http://schemas.openxmlformats.org/presentationml/2006/main">
+  <p:cSld>
+    <p:spTree>
+      <p:nvGrpSpPr>
+        <p:cNvPr id="1" name=""/>
+        <p:cNvGrpSpPr/>
+        <p:nvPr/>
+      </p:nvGrpSpPr>
+      <p:grpSpPr>
+        <a:xfrm>
+          <a:off x="0" y="0"/>
+          <a:ext cx="0" cy="0"/>
+          <a:chOff x="0" y="0"/>
+          <a:chExt cx="0" cy="0"/>
+        </a:xfrm>
+      </p:grpSpPr>
+      <p:sp>
+        <p:nvSpPr>
+          <p:cNvPr id="2" name="Title 1">
+            <a:extLst>
+              <a:ext uri="{FF2B5EF4-FFF2-40B4-BE49-F238E27FC236}">
+                <a16:creationId xmlns:a16="http://schemas.microsoft.com/office/drawing/2014/main" id="{070D9267-4C93-F0BD-398C-E4695916A850}"/>
+              </a:ext>
+            </a:extLst>
+          </p:cNvPr>
+          <p:cNvSpPr>
+            <a:spLocks noGrp="1"/>
+          </p:cNvSpPr>
+          <p:nvPr>
+            <p:ph type="title"/>
+          </p:nvPr>
+        </p:nvSpPr>
+        <p:spPr>
+          <a:xfrm>
+            <a:off x="671349" y="365125"/>
+            <a:ext cx="10849303" cy="1325563"/>
+          </a:xfrm>
+        </p:spPr>
+        <p:txBody>
+          <a:bodyPr/>
+          <a:lstStyle/>
+          <a:p>
+            <a:r>
+              <a:rPr lang="en-US" dirty="0"/>
+              <a:t>Graphical notation: Competing events (parallel)</a:t>
+            </a:r>
+          </a:p>
+        </p:txBody>
+      </p:sp>
+      <p:sp>
+        <p:nvSpPr>
+          <p:cNvPr id="3" name="Content Placeholder 2">
+            <a:extLst>
+              <a:ext uri="{FF2B5EF4-FFF2-40B4-BE49-F238E27FC236}">
+                <a16:creationId xmlns:a16="http://schemas.microsoft.com/office/drawing/2014/main" id="{F2FC0763-6388-F427-9037-E68FDDD4D8D0}"/>
+              </a:ext>
+            </a:extLst>
+          </p:cNvPr>
+          <p:cNvSpPr>
+            <a:spLocks noGrp="1"/>
+          </p:cNvSpPr>
+          <p:nvPr>
+            <p:ph sz="half" idx="1"/>
+          </p:nvPr>
+        </p:nvSpPr>
+        <p:spPr/>
+        <p:txBody>
+          <a:bodyPr/>
+          <a:lstStyle/>
+          <a:p>
+            <a:pPr marL="0" indent="0">
+              <a:buNone/>
+            </a:pPr>
+            <a:r>
+              <a:rPr lang="en-US" dirty="0"/>
+              <a:t>Competing event processes run parallel to each other. </a:t>
+            </a:r>
+          </a:p>
+          <a:p>
+            <a:pPr marL="0" indent="0">
+              <a:buNone/>
+            </a:pPr>
+            <a:r>
+              <a:rPr lang="en-US" dirty="0"/>
+              <a:t>Example:</a:t>
+            </a:r>
+          </a:p>
+          <a:p>
+            <a:r>
+              <a:rPr lang="en-US" dirty="0"/>
+              <a:t>Death from CVD at 100, death from non-CVD causes at 68</a:t>
+            </a:r>
+          </a:p>
+          <a:p>
+            <a:r>
+              <a:rPr lang="en-US" dirty="0"/>
+              <a:t>The age of all cause death is the earliest occurring event, if any (no guaranteed death in interval)</a:t>
+            </a:r>
+          </a:p>
+          <a:p>
+            <a:endParaRPr lang="en-US" dirty="0"/>
+          </a:p>
+        </p:txBody>
+      </p:sp>
+      <p:pic>
+        <p:nvPicPr>
+          <p:cNvPr id="6" name="Content Placeholder 5">
+            <a:extLst>
+              <a:ext uri="{FF2B5EF4-FFF2-40B4-BE49-F238E27FC236}">
+                <a16:creationId xmlns:a16="http://schemas.microsoft.com/office/drawing/2014/main" id="{01C9429E-B23F-E236-1017-F5087BE07B50}"/>
+              </a:ext>
+            </a:extLst>
+          </p:cNvPr>
+          <p:cNvPicPr>
+            <a:picLocks noGrp="1" noChangeAspect="1"/>
+          </p:cNvPicPr>
+          <p:nvPr>
+            <p:ph sz="half" idx="2"/>
+          </p:nvPr>
+        </p:nvPicPr>
+        <p:blipFill>
+          <a:blip r:embed="rId2"/>
+          <a:stretch>
+            <a:fillRect/>
+          </a:stretch>
+        </p:blipFill>
+        <p:spPr>
+          <a:xfrm>
+            <a:off x="6477000" y="2629694"/>
+            <a:ext cx="4572000" cy="2743200"/>
+          </a:xfrm>
+        </p:spPr>
+      </p:pic>
+    </p:spTree>
+    <p:extLst>
+      <p:ext uri="{BB962C8B-B14F-4D97-AF65-F5344CB8AC3E}">
+        <p14:creationId xmlns:p14="http://schemas.microsoft.com/office/powerpoint/2010/main" val="2327972745"/>
+      </p:ext>
+    </p:extLst>
+  </p:cSld>
+  <p:clrMapOvr>
+    <a:masterClrMapping/>
+  </p:clrMapOvr>
+</p:sld>
+</file>
+
+<file path=ppt/slides/slide12.xml><?xml version="1.0" encoding="utf-8"?>
 <p:sld xmlns:a="http://schemas.openxmlformats.org/drawingml/2006/main" xmlns:r="http://schemas.openxmlformats.org/officeDocument/2006/relationships" xmlns:p="http://schemas.openxmlformats.org/presentationml/2006/main">
   <p:cSld>
     <p:spTree>
@@ -3760,7 +4138,7 @@
         <p:cNvPr id="1" name="">
           <a:extLst>
             <a:ext uri="{FF2B5EF4-FFF2-40B4-BE49-F238E27FC236}">
-              <a16:creationId xmlns:a16="http://schemas.microsoft.com/office/drawing/2014/main" id="{77B2AE6C-9231-BFB2-20CC-0138389D7B83}"/>
+              <a16:creationId xmlns:a16="http://schemas.microsoft.com/office/drawing/2014/main" id="{7C041AFD-AEBC-91FF-DBE4-CF1C133B25E9}"/>
             </a:ext>
           </a:extLst>
         </p:cNvPr>
@@ -3780,7 +4158,7 @@
           <p:cNvPr id="2" name="Title 1">
             <a:extLst>
               <a:ext uri="{FF2B5EF4-FFF2-40B4-BE49-F238E27FC236}">
-                <a16:creationId xmlns:a16="http://schemas.microsoft.com/office/drawing/2014/main" id="{D5906952-DCF7-DA72-4CF4-1CBE4474779A}"/>
+                <a16:creationId xmlns:a16="http://schemas.microsoft.com/office/drawing/2014/main" id="{5D8AAFC9-D1E4-7E13-B708-43A7E6E3ECD1}"/>
               </a:ext>
             </a:extLst>
           </p:cNvPr>
@@ -3798,17 +4176,17 @@
           <a:p>
             <a:r>
               <a:rPr lang="en-US" dirty="0"/>
-              <a:t>Notation </a:t>
+              <a:t>A simple DES model</a:t>
             </a:r>
           </a:p>
         </p:txBody>
       </p:sp>
       <p:pic>
         <p:nvPicPr>
-          <p:cNvPr id="12" name="Content Placeholder 11">
-            <a:extLst>
-              <a:ext uri="{FF2B5EF4-FFF2-40B4-BE49-F238E27FC236}">
-                <a16:creationId xmlns:a16="http://schemas.microsoft.com/office/drawing/2014/main" id="{47EA2F6C-467F-5B51-DEE5-5841F3C35E8F}"/>
+          <p:cNvPr id="8" name="Content Placeholder 7">
+            <a:extLst>
+              <a:ext uri="{FF2B5EF4-FFF2-40B4-BE49-F238E27FC236}">
+                <a16:creationId xmlns:a16="http://schemas.microsoft.com/office/drawing/2014/main" id="{7001CD47-F92B-EC7A-CBED-F2FF7FD0674D}"/>
               </a:ext>
             </a:extLst>
           </p:cNvPr>
@@ -3837,7 +4215,7 @@
           <p:cNvPr id="10" name="Content Placeholder 9">
             <a:extLst>
               <a:ext uri="{FF2B5EF4-FFF2-40B4-BE49-F238E27FC236}">
-                <a16:creationId xmlns:a16="http://schemas.microsoft.com/office/drawing/2014/main" id="{87F66A51-CE42-1C39-9AFD-F911E454A26E}"/>
+                <a16:creationId xmlns:a16="http://schemas.microsoft.com/office/drawing/2014/main" id="{44083A7E-8C7A-1E4F-20C5-166265638583}"/>
               </a:ext>
             </a:extLst>
           </p:cNvPr>
@@ -3858,56 +4236,1023 @@
             </a:pPr>
             <a:r>
               <a:rPr lang="en-US" dirty="0"/>
-              <a:t>The time horizon of the simulation </a:t>
+              <a:t>A DES model comprises the black, red, and blue processes, connected in series or in parallel, with proper accounting of start and stop ages.  </a:t>
             </a:r>
           </a:p>
           <a:p>
             <a:r>
               <a:rPr lang="en-US" dirty="0"/>
-              <a:t>Stop the simulation at 110</a:t>
-            </a:r>
-          </a:p>
-        </p:txBody>
-      </p:sp>
-      <p:sp>
-        <p:nvSpPr>
-          <p:cNvPr id="13" name="TextBox 12">
-            <a:extLst>
-              <a:ext uri="{FF2B5EF4-FFF2-40B4-BE49-F238E27FC236}">
-                <a16:creationId xmlns:a16="http://schemas.microsoft.com/office/drawing/2014/main" id="{2E766AC9-9FB9-B76A-106C-1391AC138726}"/>
-              </a:ext>
-            </a:extLst>
-          </p:cNvPr>
-          <p:cNvSpPr txBox="1"/>
-          <p:nvPr/>
-        </p:nvSpPr>
+              <a:t>What does the modeler assume in this example? </a:t>
+            </a:r>
+          </a:p>
+        </p:txBody>
+      </p:sp>
+    </p:spTree>
+    <p:extLst>
+      <p:ext uri="{BB962C8B-B14F-4D97-AF65-F5344CB8AC3E}">
+        <p14:creationId xmlns:p14="http://schemas.microsoft.com/office/powerpoint/2010/main" val="208153400"/>
+      </p:ext>
+    </p:extLst>
+  </p:cSld>
+  <p:clrMapOvr>
+    <a:masterClrMapping/>
+  </p:clrMapOvr>
+</p:sld>
+</file>
+
+<file path=ppt/slides/slide13.xml><?xml version="1.0" encoding="utf-8"?>
+<p:sld xmlns:a="http://schemas.openxmlformats.org/drawingml/2006/main" xmlns:r="http://schemas.openxmlformats.org/officeDocument/2006/relationships" xmlns:p="http://schemas.openxmlformats.org/presentationml/2006/main">
+  <p:cSld>
+    <p:spTree>
+      <p:nvGrpSpPr>
+        <p:cNvPr id="1" name=""/>
+        <p:cNvGrpSpPr/>
+        <p:nvPr/>
+      </p:nvGrpSpPr>
+      <p:grpSpPr>
+        <a:xfrm>
+          <a:off x="0" y="0"/>
+          <a:ext cx="0" cy="0"/>
+          <a:chOff x="0" y="0"/>
+          <a:chExt cx="0" cy="0"/>
+        </a:xfrm>
+      </p:grpSpPr>
+      <p:sp>
+        <p:nvSpPr>
+          <p:cNvPr id="2" name="Title 1">
+            <a:extLst>
+              <a:ext uri="{FF2B5EF4-FFF2-40B4-BE49-F238E27FC236}">
+                <a16:creationId xmlns:a16="http://schemas.microsoft.com/office/drawing/2014/main" id="{E8E23D4A-4803-0D42-AFCE-DEC6DECF0869}"/>
+              </a:ext>
+            </a:extLst>
+          </p:cNvPr>
+          <p:cNvSpPr>
+            <a:spLocks noGrp="1"/>
+          </p:cNvSpPr>
+          <p:nvPr>
+            <p:ph type="title"/>
+          </p:nvPr>
+        </p:nvSpPr>
+        <p:spPr/>
+        <p:txBody>
+          <a:bodyPr/>
+          <a:lstStyle/>
+          <a:p>
+            <a:r>
+              <a:rPr lang="en-US" dirty="0"/>
+              <a:t>Another simple DES model</a:t>
+            </a:r>
+          </a:p>
+        </p:txBody>
+      </p:sp>
+      <p:sp>
+        <p:nvSpPr>
+          <p:cNvPr id="16" name="Content Placeholder 15">
+            <a:extLst>
+              <a:ext uri="{FF2B5EF4-FFF2-40B4-BE49-F238E27FC236}">
+                <a16:creationId xmlns:a16="http://schemas.microsoft.com/office/drawing/2014/main" id="{D8D3A6D5-ABA5-37B3-A714-D6249AD76661}"/>
+              </a:ext>
+            </a:extLst>
+          </p:cNvPr>
+          <p:cNvSpPr>
+            <a:spLocks noGrp="1"/>
+          </p:cNvSpPr>
+          <p:nvPr>
+            <p:ph sz="half" idx="1"/>
+          </p:nvPr>
+        </p:nvSpPr>
+        <p:spPr/>
+        <p:txBody>
+          <a:bodyPr/>
+          <a:lstStyle/>
+          <a:p>
+            <a:r>
+              <a:rPr lang="en-US" dirty="0"/>
+              <a:t>What does the modeler assume in this example? </a:t>
+            </a:r>
+          </a:p>
+        </p:txBody>
+      </p:sp>
+      <p:pic>
+        <p:nvPicPr>
+          <p:cNvPr id="14" name="Content Placeholder 13">
+            <a:extLst>
+              <a:ext uri="{FF2B5EF4-FFF2-40B4-BE49-F238E27FC236}">
+                <a16:creationId xmlns:a16="http://schemas.microsoft.com/office/drawing/2014/main" id="{98A57138-5729-A790-9BBC-0EEB71F5E2FB}"/>
+              </a:ext>
+            </a:extLst>
+          </p:cNvPr>
+          <p:cNvPicPr>
+            <a:picLocks noGrp="1" noChangeAspect="1"/>
+          </p:cNvPicPr>
+          <p:nvPr>
+            <p:ph sz="half" idx="2"/>
+          </p:nvPr>
+        </p:nvPicPr>
+        <p:blipFill>
+          <a:blip r:embed="rId2"/>
+          <a:stretch>
+            <a:fillRect/>
+          </a:stretch>
+        </p:blipFill>
         <p:spPr>
           <a:xfrm>
-            <a:off x="1013254" y="6123543"/>
-            <a:ext cx="1855316" cy="369332"/>
+            <a:off x="6477000" y="2629694"/>
+            <a:ext cx="4572000" cy="2743200"/>
+          </a:xfrm>
+        </p:spPr>
+      </p:pic>
+    </p:spTree>
+    <p:extLst>
+      <p:ext uri="{BB962C8B-B14F-4D97-AF65-F5344CB8AC3E}">
+        <p14:creationId xmlns:p14="http://schemas.microsoft.com/office/powerpoint/2010/main" val="2126473724"/>
+      </p:ext>
+    </p:extLst>
+  </p:cSld>
+  <p:clrMapOvr>
+    <a:masterClrMapping/>
+  </p:clrMapOvr>
+</p:sld>
+</file>
+
+<file path=ppt/slides/slide14.xml><?xml version="1.0" encoding="utf-8"?>
+<p:sld xmlns:a="http://schemas.openxmlformats.org/drawingml/2006/main" xmlns:r="http://schemas.openxmlformats.org/officeDocument/2006/relationships" xmlns:p="http://schemas.openxmlformats.org/presentationml/2006/main">
+  <p:cSld>
+    <p:spTree>
+      <p:nvGrpSpPr>
+        <p:cNvPr id="1" name=""/>
+        <p:cNvGrpSpPr/>
+        <p:nvPr/>
+      </p:nvGrpSpPr>
+      <p:grpSpPr>
+        <a:xfrm>
+          <a:off x="0" y="0"/>
+          <a:ext cx="0" cy="0"/>
+          <a:chOff x="0" y="0"/>
+          <a:chExt cx="0" cy="0"/>
+        </a:xfrm>
+      </p:grpSpPr>
+      <p:sp>
+        <p:nvSpPr>
+          <p:cNvPr id="2" name="Title 1">
+            <a:extLst>
+              <a:ext uri="{FF2B5EF4-FFF2-40B4-BE49-F238E27FC236}">
+                <a16:creationId xmlns:a16="http://schemas.microsoft.com/office/drawing/2014/main" id="{17518B30-E4C4-CE58-F558-99297DBAFC71}"/>
+              </a:ext>
+            </a:extLst>
+          </p:cNvPr>
+          <p:cNvSpPr>
+            <a:spLocks noGrp="1"/>
+          </p:cNvSpPr>
+          <p:nvPr>
+            <p:ph type="title"/>
+          </p:nvPr>
+        </p:nvSpPr>
+        <p:spPr/>
+        <p:txBody>
+          <a:bodyPr/>
+          <a:lstStyle/>
+          <a:p>
+            <a:r>
+              <a:rPr lang="en-US" dirty="0"/>
+              <a:t>The two examples side by side</a:t>
+            </a:r>
+          </a:p>
+        </p:txBody>
+      </p:sp>
+      <p:pic>
+        <p:nvPicPr>
+          <p:cNvPr id="6" name="Content Placeholder 5">
+            <a:extLst>
+              <a:ext uri="{FF2B5EF4-FFF2-40B4-BE49-F238E27FC236}">
+                <a16:creationId xmlns:a16="http://schemas.microsoft.com/office/drawing/2014/main" id="{0BAFF29B-C820-7AA6-F61F-6160780017D1}"/>
+              </a:ext>
+            </a:extLst>
+          </p:cNvPr>
+          <p:cNvPicPr>
+            <a:picLocks noGrp="1" noChangeAspect="1"/>
+          </p:cNvPicPr>
+          <p:nvPr>
+            <p:ph sz="half" idx="1"/>
+          </p:nvPr>
+        </p:nvPicPr>
+        <p:blipFill>
+          <a:blip r:embed="rId2"/>
+          <a:stretch>
+            <a:fillRect/>
+          </a:stretch>
+        </p:blipFill>
+        <p:spPr>
+          <a:xfrm>
+            <a:off x="1143000" y="2629694"/>
+            <a:ext cx="4572000" cy="2743200"/>
+          </a:xfrm>
+        </p:spPr>
+      </p:pic>
+      <p:pic>
+        <p:nvPicPr>
+          <p:cNvPr id="8" name="Content Placeholder 7">
+            <a:extLst>
+              <a:ext uri="{FF2B5EF4-FFF2-40B4-BE49-F238E27FC236}">
+                <a16:creationId xmlns:a16="http://schemas.microsoft.com/office/drawing/2014/main" id="{E72D00ED-FDEC-AA6A-1382-969813062FCA}"/>
+              </a:ext>
+            </a:extLst>
+          </p:cNvPr>
+          <p:cNvPicPr>
+            <a:picLocks noGrp="1" noChangeAspect="1"/>
+          </p:cNvPicPr>
+          <p:nvPr>
+            <p:ph sz="half" idx="2"/>
+          </p:nvPr>
+        </p:nvPicPr>
+        <p:blipFill>
+          <a:blip r:embed="rId3"/>
+          <a:stretch>
+            <a:fillRect/>
+          </a:stretch>
+        </p:blipFill>
+        <p:spPr>
+          <a:xfrm>
+            <a:off x="6477000" y="2629694"/>
+            <a:ext cx="4572000" cy="2743200"/>
+          </a:xfrm>
+        </p:spPr>
+      </p:pic>
+    </p:spTree>
+    <p:extLst>
+      <p:ext uri="{BB962C8B-B14F-4D97-AF65-F5344CB8AC3E}">
+        <p14:creationId xmlns:p14="http://schemas.microsoft.com/office/powerpoint/2010/main" val="4219316544"/>
+      </p:ext>
+    </p:extLst>
+  </p:cSld>
+  <p:clrMapOvr>
+    <a:masterClrMapping/>
+  </p:clrMapOvr>
+</p:sld>
+</file>
+
+<file path=ppt/slides/slide15.xml><?xml version="1.0" encoding="utf-8"?>
+<p:sld xmlns:a="http://schemas.openxmlformats.org/drawingml/2006/main" xmlns:r="http://schemas.openxmlformats.org/officeDocument/2006/relationships" xmlns:p="http://schemas.openxmlformats.org/presentationml/2006/main">
+  <p:cSld>
+    <p:spTree>
+      <p:nvGrpSpPr>
+        <p:cNvPr id="1" name=""/>
+        <p:cNvGrpSpPr/>
+        <p:nvPr/>
+      </p:nvGrpSpPr>
+      <p:grpSpPr>
+        <a:xfrm>
+          <a:off x="0" y="0"/>
+          <a:ext cx="0" cy="0"/>
+          <a:chOff x="0" y="0"/>
+          <a:chExt cx="0" cy="0"/>
+        </a:xfrm>
+      </p:grpSpPr>
+      <p:sp>
+        <p:nvSpPr>
+          <p:cNvPr id="2" name="Title 1">
+            <a:extLst>
+              <a:ext uri="{FF2B5EF4-FFF2-40B4-BE49-F238E27FC236}">
+                <a16:creationId xmlns:a16="http://schemas.microsoft.com/office/drawing/2014/main" id="{36774EAF-FD6E-8984-C211-47F60330F8BC}"/>
+              </a:ext>
+            </a:extLst>
+          </p:cNvPr>
+          <p:cNvSpPr>
+            <a:spLocks noGrp="1"/>
+          </p:cNvSpPr>
+          <p:nvPr>
+            <p:ph type="title"/>
+          </p:nvPr>
+        </p:nvSpPr>
+        <p:spPr/>
+        <p:txBody>
+          <a:bodyPr/>
+          <a:lstStyle/>
+          <a:p>
+            <a:r>
+              <a:rPr lang="en-US" dirty="0"/>
+              <a:t>Cancer death: what at-risk interval was chosen? </a:t>
+            </a:r>
+          </a:p>
+        </p:txBody>
+      </p:sp>
+      <p:pic>
+        <p:nvPicPr>
+          <p:cNvPr id="6" name="Content Placeholder 5">
+            <a:extLst>
+              <a:ext uri="{FF2B5EF4-FFF2-40B4-BE49-F238E27FC236}">
+                <a16:creationId xmlns:a16="http://schemas.microsoft.com/office/drawing/2014/main" id="{A080E578-B65A-85BD-8A0B-3900913A34C5}"/>
+              </a:ext>
+            </a:extLst>
+          </p:cNvPr>
+          <p:cNvPicPr>
+            <a:picLocks noGrp="1" noChangeAspect="1"/>
+          </p:cNvPicPr>
+          <p:nvPr>
+            <p:ph sz="half" idx="1"/>
+          </p:nvPr>
+        </p:nvPicPr>
+        <p:blipFill>
+          <a:blip r:embed="rId2"/>
+          <a:stretch>
+            <a:fillRect/>
+          </a:stretch>
+        </p:blipFill>
+        <p:spPr>
+          <a:xfrm>
+            <a:off x="1143000" y="2629694"/>
+            <a:ext cx="4572000" cy="2743200"/>
+          </a:xfrm>
+        </p:spPr>
+      </p:pic>
+      <p:pic>
+        <p:nvPicPr>
+          <p:cNvPr id="8" name="Content Placeholder 7">
+            <a:extLst>
+              <a:ext uri="{FF2B5EF4-FFF2-40B4-BE49-F238E27FC236}">
+                <a16:creationId xmlns:a16="http://schemas.microsoft.com/office/drawing/2014/main" id="{11E0F75B-3F2F-2429-14B8-0DA3BC1DDB85}"/>
+              </a:ext>
+            </a:extLst>
+          </p:cNvPr>
+          <p:cNvPicPr>
+            <a:picLocks noGrp="1" noChangeAspect="1"/>
+          </p:cNvPicPr>
+          <p:nvPr>
+            <p:ph sz="half" idx="2"/>
+          </p:nvPr>
+        </p:nvPicPr>
+        <p:blipFill>
+          <a:blip r:embed="rId3"/>
+          <a:stretch>
+            <a:fillRect/>
+          </a:stretch>
+        </p:blipFill>
+        <p:spPr>
+          <a:xfrm>
+            <a:off x="6477000" y="2629694"/>
+            <a:ext cx="4572000" cy="2743200"/>
+          </a:xfrm>
+        </p:spPr>
+      </p:pic>
+    </p:spTree>
+    <p:extLst>
+      <p:ext uri="{BB962C8B-B14F-4D97-AF65-F5344CB8AC3E}">
+        <p14:creationId xmlns:p14="http://schemas.microsoft.com/office/powerpoint/2010/main" val="3640450252"/>
+      </p:ext>
+    </p:extLst>
+  </p:cSld>
+  <p:clrMapOvr>
+    <a:masterClrMapping/>
+  </p:clrMapOvr>
+</p:sld>
+</file>
+
+<file path=ppt/slides/slide16.xml><?xml version="1.0" encoding="utf-8"?>
+<p:sld xmlns:a="http://schemas.openxmlformats.org/drawingml/2006/main" xmlns:r="http://schemas.openxmlformats.org/officeDocument/2006/relationships" xmlns:p="http://schemas.openxmlformats.org/presentationml/2006/main">
+  <p:cSld>
+    <p:spTree>
+      <p:nvGrpSpPr>
+        <p:cNvPr id="1" name=""/>
+        <p:cNvGrpSpPr/>
+        <p:nvPr/>
+      </p:nvGrpSpPr>
+      <p:grpSpPr>
+        <a:xfrm>
+          <a:off x="0" y="0"/>
+          <a:ext cx="0" cy="0"/>
+          <a:chOff x="0" y="0"/>
+          <a:chExt cx="0" cy="0"/>
+        </a:xfrm>
+      </p:grpSpPr>
+      <p:sp>
+        <p:nvSpPr>
+          <p:cNvPr id="5" name="Title 4">
+            <a:extLst>
+              <a:ext uri="{FF2B5EF4-FFF2-40B4-BE49-F238E27FC236}">
+                <a16:creationId xmlns:a16="http://schemas.microsoft.com/office/drawing/2014/main" id="{F44FD0B8-4123-0D96-54AE-240E4727A98E}"/>
+              </a:ext>
+            </a:extLst>
+          </p:cNvPr>
+          <p:cNvSpPr>
+            <a:spLocks noGrp="1"/>
+          </p:cNvSpPr>
+          <p:nvPr>
+            <p:ph type="title"/>
+          </p:nvPr>
+        </p:nvSpPr>
+        <p:spPr/>
+        <p:txBody>
+          <a:bodyPr/>
+          <a:lstStyle/>
+          <a:p>
+            <a:r>
+              <a:rPr lang="en-US" dirty="0"/>
+              <a:t>What would a model with multiple tumors look like?</a:t>
+            </a:r>
+          </a:p>
+        </p:txBody>
+      </p:sp>
+      <p:sp>
+        <p:nvSpPr>
+          <p:cNvPr id="6" name="Text Placeholder 5">
+            <a:extLst>
+              <a:ext uri="{FF2B5EF4-FFF2-40B4-BE49-F238E27FC236}">
+                <a16:creationId xmlns:a16="http://schemas.microsoft.com/office/drawing/2014/main" id="{6E74305E-0CFB-A469-6958-42A2EABABE43}"/>
+              </a:ext>
+            </a:extLst>
+          </p:cNvPr>
+          <p:cNvSpPr>
+            <a:spLocks noGrp="1"/>
+          </p:cNvSpPr>
+          <p:nvPr>
+            <p:ph type="body" idx="1"/>
+          </p:nvPr>
+        </p:nvSpPr>
+        <p:spPr/>
+        <p:txBody>
+          <a:bodyPr/>
+          <a:lstStyle/>
+          <a:p>
+            <a:endParaRPr lang="en-US"/>
+          </a:p>
+        </p:txBody>
+      </p:sp>
+    </p:spTree>
+    <p:extLst>
+      <p:ext uri="{BB962C8B-B14F-4D97-AF65-F5344CB8AC3E}">
+        <p14:creationId xmlns:p14="http://schemas.microsoft.com/office/powerpoint/2010/main" val="990959416"/>
+      </p:ext>
+    </p:extLst>
+  </p:cSld>
+  <p:clrMapOvr>
+    <a:masterClrMapping/>
+  </p:clrMapOvr>
+</p:sld>
+</file>
+
+<file path=ppt/slides/slide17.xml><?xml version="1.0" encoding="utf-8"?>
+<p:sld xmlns:a="http://schemas.openxmlformats.org/drawingml/2006/main" xmlns:r="http://schemas.openxmlformats.org/officeDocument/2006/relationships" xmlns:p="http://schemas.openxmlformats.org/presentationml/2006/main">
+  <p:cSld>
+    <p:spTree>
+      <p:nvGrpSpPr>
+        <p:cNvPr id="1" name=""/>
+        <p:cNvGrpSpPr/>
+        <p:nvPr/>
+      </p:nvGrpSpPr>
+      <p:grpSpPr>
+        <a:xfrm>
+          <a:off x="0" y="0"/>
+          <a:ext cx="0" cy="0"/>
+          <a:chOff x="0" y="0"/>
+          <a:chExt cx="0" cy="0"/>
+        </a:xfrm>
+      </p:grpSpPr>
+      <p:sp>
+        <p:nvSpPr>
+          <p:cNvPr id="2" name="Title 1">
+            <a:extLst>
+              <a:ext uri="{FF2B5EF4-FFF2-40B4-BE49-F238E27FC236}">
+                <a16:creationId xmlns:a16="http://schemas.microsoft.com/office/drawing/2014/main" id="{6EE0C027-CCF8-69AD-54DD-32472F1AA534}"/>
+              </a:ext>
+            </a:extLst>
+          </p:cNvPr>
+          <p:cNvSpPr>
+            <a:spLocks noGrp="1"/>
+          </p:cNvSpPr>
+          <p:nvPr>
+            <p:ph type="title"/>
+          </p:nvPr>
+        </p:nvSpPr>
+        <p:spPr/>
+        <p:txBody>
+          <a:bodyPr/>
+          <a:lstStyle/>
+          <a:p>
+            <a:r>
+              <a:rPr lang="en-US" dirty="0"/>
+              <a:t>A model with multiple tumors </a:t>
+            </a:r>
+          </a:p>
+        </p:txBody>
+      </p:sp>
+      <p:sp>
+        <p:nvSpPr>
+          <p:cNvPr id="3" name="Content Placeholder 2">
+            <a:extLst>
+              <a:ext uri="{FF2B5EF4-FFF2-40B4-BE49-F238E27FC236}">
+                <a16:creationId xmlns:a16="http://schemas.microsoft.com/office/drawing/2014/main" id="{141A3558-BD9A-854E-D893-7A8AA51F0D6E}"/>
+              </a:ext>
+            </a:extLst>
+          </p:cNvPr>
+          <p:cNvSpPr>
+            <a:spLocks noGrp="1"/>
+          </p:cNvSpPr>
+          <p:nvPr>
+            <p:ph sz="half" idx="1"/>
+          </p:nvPr>
+        </p:nvSpPr>
+        <p:spPr/>
+        <p:txBody>
+          <a:bodyPr/>
+          <a:lstStyle/>
+          <a:p>
+            <a:pPr marL="0" indent="0">
+              <a:buNone/>
+            </a:pPr>
+            <a:r>
+              <a:rPr lang="en-US" dirty="0"/>
+              <a:t>Many architectures are possible. </a:t>
+            </a:r>
+          </a:p>
+          <a:p>
+            <a:pPr marL="0" indent="0">
+              <a:buNone/>
+            </a:pPr>
+            <a:r>
+              <a:rPr lang="en-US" dirty="0"/>
+              <a:t>What are the risk intervals for each event process? </a:t>
+            </a:r>
+          </a:p>
+        </p:txBody>
+      </p:sp>
+      <p:pic>
+        <p:nvPicPr>
+          <p:cNvPr id="6" name="Content Placeholder 5">
+            <a:extLst>
+              <a:ext uri="{FF2B5EF4-FFF2-40B4-BE49-F238E27FC236}">
+                <a16:creationId xmlns:a16="http://schemas.microsoft.com/office/drawing/2014/main" id="{7C1F1892-71B9-D529-977F-0336265BE324}"/>
+              </a:ext>
+            </a:extLst>
+          </p:cNvPr>
+          <p:cNvPicPr>
+            <a:picLocks noGrp="1" noChangeAspect="1"/>
+          </p:cNvPicPr>
+          <p:nvPr>
+            <p:ph sz="half" idx="2"/>
+          </p:nvPr>
+        </p:nvPicPr>
+        <p:blipFill>
+          <a:blip r:embed="rId2"/>
+          <a:stretch>
+            <a:fillRect/>
+          </a:stretch>
+        </p:blipFill>
+        <p:spPr>
+          <a:xfrm>
+            <a:off x="6477000" y="2629694"/>
+            <a:ext cx="4572000" cy="2743200"/>
+          </a:xfrm>
+        </p:spPr>
+      </p:pic>
+    </p:spTree>
+    <p:extLst>
+      <p:ext uri="{BB962C8B-B14F-4D97-AF65-F5344CB8AC3E}">
+        <p14:creationId xmlns:p14="http://schemas.microsoft.com/office/powerpoint/2010/main" val="3324589348"/>
+      </p:ext>
+    </p:extLst>
+  </p:cSld>
+  <p:clrMapOvr>
+    <a:masterClrMapping/>
+  </p:clrMapOvr>
+</p:sld>
+</file>
+
+<file path=ppt/slides/slide18.xml><?xml version="1.0" encoding="utf-8"?>
+<p:sld xmlns:a="http://schemas.openxmlformats.org/drawingml/2006/main" xmlns:r="http://schemas.openxmlformats.org/officeDocument/2006/relationships" xmlns:p="http://schemas.openxmlformats.org/presentationml/2006/main">
+  <p:cSld>
+    <p:spTree>
+      <p:nvGrpSpPr>
+        <p:cNvPr id="1" name=""/>
+        <p:cNvGrpSpPr/>
+        <p:nvPr/>
+      </p:nvGrpSpPr>
+      <p:grpSpPr>
+        <a:xfrm>
+          <a:off x="0" y="0"/>
+          <a:ext cx="0" cy="0"/>
+          <a:chOff x="0" y="0"/>
+          <a:chExt cx="0" cy="0"/>
+        </a:xfrm>
+      </p:grpSpPr>
+      <p:sp>
+        <p:nvSpPr>
+          <p:cNvPr id="2" name="Title 1">
+            <a:extLst>
+              <a:ext uri="{FF2B5EF4-FFF2-40B4-BE49-F238E27FC236}">
+                <a16:creationId xmlns:a16="http://schemas.microsoft.com/office/drawing/2014/main" id="{DE6E5C4B-29A5-7384-229D-842FAB44981B}"/>
+              </a:ext>
+            </a:extLst>
+          </p:cNvPr>
+          <p:cNvSpPr>
+            <a:spLocks noGrp="1"/>
+          </p:cNvSpPr>
+          <p:nvPr>
+            <p:ph type="title"/>
+          </p:nvPr>
+        </p:nvSpPr>
+        <p:spPr/>
+        <p:txBody>
+          <a:bodyPr/>
+          <a:lstStyle/>
+          <a:p>
+            <a:r>
+              <a:rPr lang="en-US" dirty="0"/>
+              <a:t>The building blocks of a DES</a:t>
+            </a:r>
+          </a:p>
+        </p:txBody>
+      </p:sp>
+      <p:sp>
+        <p:nvSpPr>
+          <p:cNvPr id="3" name="Content Placeholder 2">
+            <a:extLst>
+              <a:ext uri="{FF2B5EF4-FFF2-40B4-BE49-F238E27FC236}">
+                <a16:creationId xmlns:a16="http://schemas.microsoft.com/office/drawing/2014/main" id="{21B829DA-71B6-D3EF-08CE-D01997C44AB0}"/>
+              </a:ext>
+            </a:extLst>
+          </p:cNvPr>
+          <p:cNvSpPr>
+            <a:spLocks noGrp="1"/>
+          </p:cNvSpPr>
+          <p:nvPr>
+            <p:ph sz="half" idx="1"/>
+          </p:nvPr>
+        </p:nvSpPr>
+        <p:spPr>
+          <a:xfrm>
+            <a:off x="2382792" y="1940006"/>
+            <a:ext cx="5181600" cy="4051600"/>
+          </a:xfrm>
+        </p:spPr>
+        <p:txBody>
+          <a:bodyPr>
+            <a:normAutofit fontScale="92500" lnSpcReduction="10000"/>
+          </a:bodyPr>
+          <a:lstStyle/>
+          <a:p>
+            <a:pPr marL="0" indent="0">
+              <a:buNone/>
+            </a:pPr>
+            <a:r>
+              <a:rPr lang="en-US" dirty="0"/>
+              <a:t>Events that happen exactly once</a:t>
+            </a:r>
+          </a:p>
+          <a:p>
+            <a:endParaRPr lang="en-US" dirty="0"/>
+          </a:p>
+          <a:p>
+            <a:endParaRPr lang="en-US" dirty="0"/>
+          </a:p>
+          <a:p>
+            <a:endParaRPr lang="en-US" dirty="0"/>
+          </a:p>
+          <a:p>
+            <a:pPr marL="0" indent="0">
+              <a:buNone/>
+            </a:pPr>
+            <a:r>
+              <a:rPr lang="en-US" dirty="0"/>
+              <a:t>Events that happen 0 or 1 times </a:t>
+            </a:r>
+          </a:p>
+          <a:p>
+            <a:endParaRPr lang="en-US" dirty="0"/>
+          </a:p>
+          <a:p>
+            <a:endParaRPr lang="en-US" dirty="0"/>
+          </a:p>
+          <a:p>
+            <a:endParaRPr lang="en-US" dirty="0"/>
+          </a:p>
+          <a:p>
+            <a:pPr marL="0" indent="0">
+              <a:buNone/>
+            </a:pPr>
+            <a:r>
+              <a:rPr lang="en-US" dirty="0"/>
+              <a:t>Events that happen 0, 1, … times</a:t>
+            </a:r>
+          </a:p>
+        </p:txBody>
+      </p:sp>
+      <p:pic>
+        <p:nvPicPr>
+          <p:cNvPr id="6" name="Content Placeholder 5">
+            <a:extLst>
+              <a:ext uri="{FF2B5EF4-FFF2-40B4-BE49-F238E27FC236}">
+                <a16:creationId xmlns:a16="http://schemas.microsoft.com/office/drawing/2014/main" id="{2BA42E2E-2630-184A-F85C-BBBE0A17C99A}"/>
+              </a:ext>
+            </a:extLst>
+          </p:cNvPr>
+          <p:cNvPicPr>
+            <a:picLocks noGrp="1" noChangeAspect="1"/>
+          </p:cNvPicPr>
+          <p:nvPr>
+            <p:ph sz="half" idx="2"/>
+          </p:nvPr>
+        </p:nvPicPr>
+        <p:blipFill>
+          <a:blip r:embed="rId2"/>
+          <a:stretch>
+            <a:fillRect/>
+          </a:stretch>
+        </p:blipFill>
+        <p:spPr>
+          <a:xfrm>
+            <a:off x="7737394" y="1432956"/>
+            <a:ext cx="2837935" cy="1702761"/>
+          </a:xfrm>
+        </p:spPr>
+      </p:pic>
+      <p:pic>
+        <p:nvPicPr>
+          <p:cNvPr id="8" name="Picture 7">
+            <a:extLst>
+              <a:ext uri="{FF2B5EF4-FFF2-40B4-BE49-F238E27FC236}">
+                <a16:creationId xmlns:a16="http://schemas.microsoft.com/office/drawing/2014/main" id="{7D278B84-6B06-CC06-2C7A-C4B811EC274D}"/>
+              </a:ext>
+            </a:extLst>
+          </p:cNvPr>
+          <p:cNvPicPr>
+            <a:picLocks noChangeAspect="1"/>
+          </p:cNvPicPr>
+          <p:nvPr/>
+        </p:nvPicPr>
+        <p:blipFill>
+          <a:blip r:embed="rId3"/>
+          <a:stretch>
+            <a:fillRect/>
+          </a:stretch>
+        </p:blipFill>
+        <p:spPr>
+          <a:xfrm>
+            <a:off x="7737395" y="3114426"/>
+            <a:ext cx="2837935" cy="1702761"/>
           </a:xfrm>
           <a:prstGeom prst="rect">
             <a:avLst/>
           </a:prstGeom>
-          <a:noFill/>
         </p:spPr>
-        <p:txBody>
-          <a:bodyPr wrap="none" rtlCol="0">
-            <a:spAutoFit/>
-          </a:bodyPr>
-          <a:lstStyle/>
-          <a:p>
-            <a:r>
-              <a:rPr lang="en-US" i="1" dirty="0"/>
-              <a:t>All times in years</a:t>
-            </a:r>
-          </a:p>
-        </p:txBody>
-      </p:sp>
+      </p:pic>
+      <p:pic>
+        <p:nvPicPr>
+          <p:cNvPr id="12" name="Picture 11">
+            <a:extLst>
+              <a:ext uri="{FF2B5EF4-FFF2-40B4-BE49-F238E27FC236}">
+                <a16:creationId xmlns:a16="http://schemas.microsoft.com/office/drawing/2014/main" id="{D9556380-1ED0-FE82-B37F-07F61F971607}"/>
+              </a:ext>
+            </a:extLst>
+          </p:cNvPr>
+          <p:cNvPicPr>
+            <a:picLocks noChangeAspect="1"/>
+          </p:cNvPicPr>
+          <p:nvPr/>
+        </p:nvPicPr>
+        <p:blipFill>
+          <a:blip r:embed="rId4"/>
+          <a:stretch>
+            <a:fillRect/>
+          </a:stretch>
+        </p:blipFill>
+        <p:spPr>
+          <a:xfrm>
+            <a:off x="7737394" y="4772177"/>
+            <a:ext cx="2837935" cy="1702761"/>
+          </a:xfrm>
+          <a:prstGeom prst="rect">
+            <a:avLst/>
+          </a:prstGeom>
+        </p:spPr>
+      </p:pic>
     </p:spTree>
     <p:extLst>
       <p:ext uri="{BB962C8B-B14F-4D97-AF65-F5344CB8AC3E}">
-        <p14:creationId xmlns:p14="http://schemas.microsoft.com/office/powerpoint/2010/main" val="2374348497"/>
+        <p14:creationId xmlns:p14="http://schemas.microsoft.com/office/powerpoint/2010/main" val="3534701915"/>
+      </p:ext>
+    </p:extLst>
+  </p:cSld>
+  <p:clrMapOvr>
+    <a:masterClrMapping/>
+  </p:clrMapOvr>
+</p:sld>
+</file>
+
+<file path=ppt/slides/slide19.xml><?xml version="1.0" encoding="utf-8"?>
+<p:sld xmlns:a="http://schemas.openxmlformats.org/drawingml/2006/main" xmlns:r="http://schemas.openxmlformats.org/officeDocument/2006/relationships" xmlns:p="http://schemas.openxmlformats.org/presentationml/2006/main">
+  <p:cSld>
+    <p:spTree>
+      <p:nvGrpSpPr>
+        <p:cNvPr id="1" name=""/>
+        <p:cNvGrpSpPr/>
+        <p:nvPr/>
+      </p:nvGrpSpPr>
+      <p:grpSpPr>
+        <a:xfrm>
+          <a:off x="0" y="0"/>
+          <a:ext cx="0" cy="0"/>
+          <a:chOff x="0" y="0"/>
+          <a:chExt cx="0" cy="0"/>
+        </a:xfrm>
+      </p:grpSpPr>
+      <p:sp>
+        <p:nvSpPr>
+          <p:cNvPr id="5" name="Title 4">
+            <a:extLst>
+              <a:ext uri="{FF2B5EF4-FFF2-40B4-BE49-F238E27FC236}">
+                <a16:creationId xmlns:a16="http://schemas.microsoft.com/office/drawing/2014/main" id="{796990F9-E363-D941-494E-B7E531C22F07}"/>
+              </a:ext>
+            </a:extLst>
+          </p:cNvPr>
+          <p:cNvSpPr>
+            <a:spLocks noGrp="1"/>
+          </p:cNvSpPr>
+          <p:nvPr>
+            <p:ph type="title"/>
+          </p:nvPr>
+        </p:nvSpPr>
+        <p:spPr/>
+        <p:txBody>
+          <a:bodyPr/>
+          <a:lstStyle/>
+          <a:p>
+            <a:r>
+              <a:rPr lang="en-US" dirty="0"/>
+              <a:t>MAYBE SHOW A “PROFESSIONAL” MODEL</a:t>
+            </a:r>
+          </a:p>
+        </p:txBody>
+      </p:sp>
+      <p:sp>
+        <p:nvSpPr>
+          <p:cNvPr id="6" name="Text Placeholder 5">
+            <a:extLst>
+              <a:ext uri="{FF2B5EF4-FFF2-40B4-BE49-F238E27FC236}">
+                <a16:creationId xmlns:a16="http://schemas.microsoft.com/office/drawing/2014/main" id="{FE89C125-A9D8-3355-FC50-EB8EEFBE5D43}"/>
+              </a:ext>
+            </a:extLst>
+          </p:cNvPr>
+          <p:cNvSpPr>
+            <a:spLocks noGrp="1"/>
+          </p:cNvSpPr>
+          <p:nvPr>
+            <p:ph type="body" idx="1"/>
+          </p:nvPr>
+        </p:nvSpPr>
+        <p:spPr/>
+        <p:txBody>
+          <a:bodyPr/>
+          <a:lstStyle/>
+          <a:p>
+            <a:endParaRPr lang="en-US"/>
+          </a:p>
+        </p:txBody>
+      </p:sp>
+    </p:spTree>
+    <p:extLst>
+      <p:ext uri="{BB962C8B-B14F-4D97-AF65-F5344CB8AC3E}">
+        <p14:creationId xmlns:p14="http://schemas.microsoft.com/office/powerpoint/2010/main" val="3937908619"/>
+      </p:ext>
+    </p:extLst>
+  </p:cSld>
+  <p:clrMapOvr>
+    <a:masterClrMapping/>
+  </p:clrMapOvr>
+</p:sld>
+</file>
+
+<file path=ppt/slides/slide2.xml><?xml version="1.0" encoding="utf-8"?>
+<p:sld xmlns:a="http://schemas.openxmlformats.org/drawingml/2006/main" xmlns:r="http://schemas.openxmlformats.org/officeDocument/2006/relationships" xmlns:p="http://schemas.openxmlformats.org/presentationml/2006/main">
+  <p:cSld>
+    <p:spTree>
+      <p:nvGrpSpPr>
+        <p:cNvPr id="1" name=""/>
+        <p:cNvGrpSpPr/>
+        <p:nvPr/>
+      </p:nvGrpSpPr>
+      <p:grpSpPr>
+        <a:xfrm>
+          <a:off x="0" y="0"/>
+          <a:ext cx="0" cy="0"/>
+          <a:chOff x="0" y="0"/>
+          <a:chExt cx="0" cy="0"/>
+        </a:xfrm>
+      </p:grpSpPr>
+      <p:sp>
+        <p:nvSpPr>
+          <p:cNvPr id="2" name="Title 1">
+            <a:extLst>
+              <a:ext uri="{FF2B5EF4-FFF2-40B4-BE49-F238E27FC236}">
+                <a16:creationId xmlns:a16="http://schemas.microsoft.com/office/drawing/2014/main" id="{329DDCB9-AA7F-8556-0A70-95522FB4833A}"/>
+              </a:ext>
+            </a:extLst>
+          </p:cNvPr>
+          <p:cNvSpPr>
+            <a:spLocks noGrp="1"/>
+          </p:cNvSpPr>
+          <p:nvPr>
+            <p:ph type="title"/>
+          </p:nvPr>
+        </p:nvSpPr>
+        <p:spPr/>
+        <p:txBody>
+          <a:bodyPr/>
+          <a:lstStyle/>
+          <a:p>
+            <a:r>
+              <a:rPr lang="en-US" dirty="0"/>
+              <a:t>MAYBE ADD AN INTOR SLIDE ?</a:t>
+            </a:r>
+          </a:p>
+        </p:txBody>
+      </p:sp>
+      <p:sp>
+        <p:nvSpPr>
+          <p:cNvPr id="3" name="Content Placeholder 2">
+            <a:extLst>
+              <a:ext uri="{FF2B5EF4-FFF2-40B4-BE49-F238E27FC236}">
+                <a16:creationId xmlns:a16="http://schemas.microsoft.com/office/drawing/2014/main" id="{7DDC0E91-9F4C-9BB3-865C-2D396587D910}"/>
+              </a:ext>
+            </a:extLst>
+          </p:cNvPr>
+          <p:cNvSpPr>
+            <a:spLocks noGrp="1"/>
+          </p:cNvSpPr>
+          <p:nvPr>
+            <p:ph idx="1"/>
+          </p:nvPr>
+        </p:nvSpPr>
+        <p:spPr/>
+        <p:txBody>
+          <a:bodyPr/>
+          <a:lstStyle/>
+          <a:p>
+            <a:endParaRPr lang="en-US"/>
+          </a:p>
+        </p:txBody>
+      </p:sp>
+    </p:spTree>
+    <p:extLst>
+      <p:ext uri="{BB962C8B-B14F-4D97-AF65-F5344CB8AC3E}">
+        <p14:creationId xmlns:p14="http://schemas.microsoft.com/office/powerpoint/2010/main" val="3983415488"/>
+      </p:ext>
+    </p:extLst>
+  </p:cSld>
+  <p:clrMapOvr>
+    <a:masterClrMapping/>
+  </p:clrMapOvr>
+</p:sld>
+</file>
+
+<file path=ppt/slides/slide20.xml><?xml version="1.0" encoding="utf-8"?>
+<p:sld xmlns:a="http://schemas.openxmlformats.org/drawingml/2006/main" xmlns:r="http://schemas.openxmlformats.org/officeDocument/2006/relationships" xmlns:p="http://schemas.openxmlformats.org/presentationml/2006/main">
+  <p:cSld>
+    <p:spTree>
+      <p:nvGrpSpPr>
+        <p:cNvPr id="1" name=""/>
+        <p:cNvGrpSpPr/>
+        <p:nvPr/>
+      </p:nvGrpSpPr>
+      <p:grpSpPr>
+        <a:xfrm>
+          <a:off x="0" y="0"/>
+          <a:ext cx="0" cy="0"/>
+          <a:chOff x="0" y="0"/>
+          <a:chExt cx="0" cy="0"/>
+        </a:xfrm>
+      </p:grpSpPr>
+      <p:sp>
+        <p:nvSpPr>
+          <p:cNvPr id="2" name="Title 1">
+            <a:extLst>
+              <a:ext uri="{FF2B5EF4-FFF2-40B4-BE49-F238E27FC236}">
+                <a16:creationId xmlns:a16="http://schemas.microsoft.com/office/drawing/2014/main" id="{720F7917-8F2C-08B2-E632-A5C9FE70C0FE}"/>
+              </a:ext>
+            </a:extLst>
+          </p:cNvPr>
+          <p:cNvSpPr>
+            <a:spLocks noGrp="1"/>
+          </p:cNvSpPr>
+          <p:nvPr>
+            <p:ph type="ctrTitle"/>
+          </p:nvPr>
+        </p:nvSpPr>
+        <p:spPr/>
+        <p:txBody>
+          <a:bodyPr/>
+          <a:lstStyle/>
+          <a:p>
+            <a:r>
+              <a:rPr lang="en-US" dirty="0"/>
+              <a:t>Next … Section 2: Theory</a:t>
+            </a:r>
+          </a:p>
+        </p:txBody>
+      </p:sp>
+    </p:spTree>
+    <p:extLst>
+      <p:ext uri="{BB962C8B-B14F-4D97-AF65-F5344CB8AC3E}">
+        <p14:creationId xmlns:p14="http://schemas.microsoft.com/office/powerpoint/2010/main" val="2959818871"/>
       </p:ext>
     </p:extLst>
   </p:cSld>
@@ -3936,9 +5281,1617 @@
       </p:grpSpPr>
       <p:sp>
         <p:nvSpPr>
+          <p:cNvPr id="5" name="Content Placeholder 4">
+            <a:extLst>
+              <a:ext uri="{FF2B5EF4-FFF2-40B4-BE49-F238E27FC236}">
+                <a16:creationId xmlns:a16="http://schemas.microsoft.com/office/drawing/2014/main" id="{63A655F4-2FBA-26E0-855D-F9F4408D92F0}"/>
+              </a:ext>
+            </a:extLst>
+          </p:cNvPr>
+          <p:cNvSpPr>
+            <a:spLocks noGrp="1"/>
+          </p:cNvSpPr>
+          <p:nvPr>
+            <p:ph idx="1"/>
+          </p:nvPr>
+        </p:nvSpPr>
+        <p:spPr>
+          <a:xfrm>
+            <a:off x="838200" y="1825625"/>
+            <a:ext cx="10515600" cy="1446547"/>
+          </a:xfrm>
+        </p:spPr>
+        <p:txBody>
+          <a:bodyPr anchor="t">
+            <a:normAutofit fontScale="92500"/>
+          </a:bodyPr>
+          <a:lstStyle/>
+          <a:p>
+            <a:pPr marL="0" indent="0">
+              <a:lnSpc>
+                <a:spcPct val="150000"/>
+              </a:lnSpc>
+              <a:buNone/>
+            </a:pPr>
+            <a:r>
+              <a:rPr lang="en-US" dirty="0"/>
+              <a:t>Individual-level discrete event simulation (DES) models, usually require sampling times at which specific transitions or events could occur.</a:t>
+            </a:r>
+          </a:p>
+        </p:txBody>
+      </p:sp>
+      <p:pic>
+        <p:nvPicPr>
+          <p:cNvPr id="9" name="Graphic 8" descr="Woman with solid fill">
+            <a:extLst>
+              <a:ext uri="{FF2B5EF4-FFF2-40B4-BE49-F238E27FC236}">
+                <a16:creationId xmlns:a16="http://schemas.microsoft.com/office/drawing/2014/main" id="{A53EFE7E-8F1E-2585-F379-8178F2D435E9}"/>
+              </a:ext>
+            </a:extLst>
+          </p:cNvPr>
+          <p:cNvPicPr>
+            <a:picLocks noChangeAspect="1"/>
+          </p:cNvPicPr>
+          <p:nvPr/>
+        </p:nvPicPr>
+        <p:blipFill>
+          <a:blip r:embed="rId3">
+            <a:extLst>
+              <a:ext uri="{96DAC541-7B7A-43D3-8B79-37D633B846F1}">
+                <asvg:svgBlip xmlns:asvg="http://schemas.microsoft.com/office/drawing/2016/SVG/main" r:embed="rId4"/>
+              </a:ext>
+            </a:extLst>
+          </a:blip>
+          <a:stretch>
+            <a:fillRect/>
+          </a:stretch>
+        </p:blipFill>
+        <p:spPr>
+          <a:xfrm>
+            <a:off x="1297940" y="4204035"/>
+            <a:ext cx="731520" cy="731520"/>
+          </a:xfrm>
+          <a:prstGeom prst="rect">
+            <a:avLst/>
+          </a:prstGeom>
+        </p:spPr>
+      </p:pic>
+      <p:pic>
+        <p:nvPicPr>
+          <p:cNvPr id="10" name="Graphic 9" descr="Man with solid fill">
+            <a:extLst>
+              <a:ext uri="{FF2B5EF4-FFF2-40B4-BE49-F238E27FC236}">
+                <a16:creationId xmlns:a16="http://schemas.microsoft.com/office/drawing/2014/main" id="{669C9327-8481-7061-17FB-902B71BEBA3F}"/>
+              </a:ext>
+            </a:extLst>
+          </p:cNvPr>
+          <p:cNvPicPr>
+            <a:picLocks noChangeAspect="1"/>
+          </p:cNvPicPr>
+          <p:nvPr/>
+        </p:nvPicPr>
+        <p:blipFill>
+          <a:blip r:embed="rId5">
+            <a:extLst>
+              <a:ext uri="{96DAC541-7B7A-43D3-8B79-37D633B846F1}">
+                <asvg:svgBlip xmlns:asvg="http://schemas.microsoft.com/office/drawing/2016/SVG/main" r:embed="rId6"/>
+              </a:ext>
+            </a:extLst>
+          </a:blip>
+          <a:stretch>
+            <a:fillRect/>
+          </a:stretch>
+        </p:blipFill>
+        <p:spPr>
+          <a:xfrm>
+            <a:off x="1297940" y="5637944"/>
+            <a:ext cx="731520" cy="731520"/>
+          </a:xfrm>
+          <a:prstGeom prst="rect">
+            <a:avLst/>
+          </a:prstGeom>
+        </p:spPr>
+      </p:pic>
+      <p:sp>
+        <p:nvSpPr>
+          <p:cNvPr id="11" name="Oval 10">
+            <a:extLst>
+              <a:ext uri="{FF2B5EF4-FFF2-40B4-BE49-F238E27FC236}">
+                <a16:creationId xmlns:a16="http://schemas.microsoft.com/office/drawing/2014/main" id="{FF6799D7-F39A-097D-6FAF-BBD246A56981}"/>
+              </a:ext>
+            </a:extLst>
+          </p:cNvPr>
+          <p:cNvSpPr/>
+          <p:nvPr/>
+        </p:nvSpPr>
+        <p:spPr>
+          <a:xfrm>
+            <a:off x="2895600" y="4337861"/>
+            <a:ext cx="1447800" cy="597694"/>
+          </a:xfrm>
+          <a:prstGeom prst="ellipse">
+            <a:avLst/>
+          </a:prstGeom>
+        </p:spPr>
+        <p:style>
+          <a:lnRef idx="2">
+            <a:schemeClr val="accent1">
+              <a:shade val="15000"/>
+            </a:schemeClr>
+          </a:lnRef>
+          <a:fillRef idx="1">
+            <a:schemeClr val="accent1"/>
+          </a:fillRef>
+          <a:effectRef idx="0">
+            <a:schemeClr val="accent1"/>
+          </a:effectRef>
+          <a:fontRef idx="minor">
+            <a:schemeClr val="lt1"/>
+          </a:fontRef>
+        </p:style>
+        <p:txBody>
+          <a:bodyPr rtlCol="0" anchor="ctr"/>
+          <a:lstStyle/>
+          <a:p>
+            <a:pPr algn="ctr"/>
+            <a:r>
+              <a:rPr lang="en-US" sz="2000"/>
+              <a:t>Event 1</a:t>
+            </a:r>
+          </a:p>
+        </p:txBody>
+      </p:sp>
+      <p:sp>
+        <p:nvSpPr>
+          <p:cNvPr id="12" name="Oval 11">
+            <a:extLst>
+              <a:ext uri="{FF2B5EF4-FFF2-40B4-BE49-F238E27FC236}">
+                <a16:creationId xmlns:a16="http://schemas.microsoft.com/office/drawing/2014/main" id="{F6492046-D72F-0AB6-6A4A-59B72892232C}"/>
+              </a:ext>
+            </a:extLst>
+          </p:cNvPr>
+          <p:cNvSpPr/>
+          <p:nvPr/>
+        </p:nvSpPr>
+        <p:spPr>
+          <a:xfrm>
+            <a:off x="4851400" y="4337861"/>
+            <a:ext cx="1447800" cy="597694"/>
+          </a:xfrm>
+          <a:prstGeom prst="ellipse">
+            <a:avLst/>
+          </a:prstGeom>
+        </p:spPr>
+        <p:style>
+          <a:lnRef idx="2">
+            <a:schemeClr val="accent1">
+              <a:shade val="15000"/>
+            </a:schemeClr>
+          </a:lnRef>
+          <a:fillRef idx="1">
+            <a:schemeClr val="accent1"/>
+          </a:fillRef>
+          <a:effectRef idx="0">
+            <a:schemeClr val="accent1"/>
+          </a:effectRef>
+          <a:fontRef idx="minor">
+            <a:schemeClr val="lt1"/>
+          </a:fontRef>
+        </p:style>
+        <p:txBody>
+          <a:bodyPr rtlCol="0" anchor="ctr"/>
+          <a:lstStyle/>
+          <a:p>
+            <a:pPr algn="ctr"/>
+            <a:r>
+              <a:rPr lang="en-US" sz="2000"/>
+              <a:t>Event 2</a:t>
+            </a:r>
+          </a:p>
+        </p:txBody>
+      </p:sp>
+      <p:sp>
+        <p:nvSpPr>
+          <p:cNvPr id="13" name="Oval 12">
+            <a:extLst>
+              <a:ext uri="{FF2B5EF4-FFF2-40B4-BE49-F238E27FC236}">
+                <a16:creationId xmlns:a16="http://schemas.microsoft.com/office/drawing/2014/main" id="{FC795B1E-D6FE-28DE-2E45-F957EF290AA1}"/>
+              </a:ext>
+            </a:extLst>
+          </p:cNvPr>
+          <p:cNvSpPr/>
+          <p:nvPr/>
+        </p:nvSpPr>
+        <p:spPr>
+          <a:xfrm>
+            <a:off x="6807200" y="4337861"/>
+            <a:ext cx="1447800" cy="597694"/>
+          </a:xfrm>
+          <a:prstGeom prst="ellipse">
+            <a:avLst/>
+          </a:prstGeom>
+          <a:solidFill>
+            <a:schemeClr val="bg1"/>
+          </a:solidFill>
+          <a:ln>
+            <a:noFill/>
+          </a:ln>
+        </p:spPr>
+        <p:style>
+          <a:lnRef idx="2">
+            <a:schemeClr val="accent1">
+              <a:shade val="15000"/>
+            </a:schemeClr>
+          </a:lnRef>
+          <a:fillRef idx="1">
+            <a:schemeClr val="accent1"/>
+          </a:fillRef>
+          <a:effectRef idx="0">
+            <a:schemeClr val="accent1"/>
+          </a:effectRef>
+          <a:fontRef idx="minor">
+            <a:schemeClr val="lt1"/>
+          </a:fontRef>
+        </p:style>
+        <p:txBody>
+          <a:bodyPr rtlCol="0" anchor="ctr"/>
+          <a:lstStyle/>
+          <a:p>
+            <a:pPr algn="ctr"/>
+            <a:r>
+              <a:rPr lang="en-US" sz="2000">
+                <a:solidFill>
+                  <a:schemeClr val="tx1"/>
+                </a:solidFill>
+              </a:rPr>
+              <a:t>…</a:t>
+            </a:r>
+          </a:p>
+        </p:txBody>
+      </p:sp>
+      <p:sp>
+        <p:nvSpPr>
+          <p:cNvPr id="14" name="Oval 13">
+            <a:extLst>
+              <a:ext uri="{FF2B5EF4-FFF2-40B4-BE49-F238E27FC236}">
+                <a16:creationId xmlns:a16="http://schemas.microsoft.com/office/drawing/2014/main" id="{6156BB61-2DA1-D746-6B01-A903D609B1C8}"/>
+              </a:ext>
+            </a:extLst>
+          </p:cNvPr>
+          <p:cNvSpPr/>
+          <p:nvPr/>
+        </p:nvSpPr>
+        <p:spPr>
+          <a:xfrm>
+            <a:off x="9080500" y="4337861"/>
+            <a:ext cx="1447800" cy="597694"/>
+          </a:xfrm>
+          <a:prstGeom prst="ellipse">
+            <a:avLst/>
+          </a:prstGeom>
+        </p:spPr>
+        <p:style>
+          <a:lnRef idx="2">
+            <a:schemeClr val="accent1">
+              <a:shade val="15000"/>
+            </a:schemeClr>
+          </a:lnRef>
+          <a:fillRef idx="1">
+            <a:schemeClr val="accent1"/>
+          </a:fillRef>
+          <a:effectRef idx="0">
+            <a:schemeClr val="accent1"/>
+          </a:effectRef>
+          <a:fontRef idx="minor">
+            <a:schemeClr val="lt1"/>
+          </a:fontRef>
+        </p:style>
+        <p:txBody>
+          <a:bodyPr rtlCol="0" anchor="ctr"/>
+          <a:lstStyle/>
+          <a:p>
+            <a:pPr algn="ctr"/>
+            <a:r>
+              <a:rPr lang="en-US" sz="2000"/>
+              <a:t>Death</a:t>
+            </a:r>
+          </a:p>
+        </p:txBody>
+      </p:sp>
+      <p:sp>
+        <p:nvSpPr>
+          <p:cNvPr id="15" name="Oval 14">
+            <a:extLst>
+              <a:ext uri="{FF2B5EF4-FFF2-40B4-BE49-F238E27FC236}">
+                <a16:creationId xmlns:a16="http://schemas.microsoft.com/office/drawing/2014/main" id="{8378FFEF-BE2F-4254-9CD2-94270976E23F}"/>
+              </a:ext>
+            </a:extLst>
+          </p:cNvPr>
+          <p:cNvSpPr/>
+          <p:nvPr/>
+        </p:nvSpPr>
+        <p:spPr>
+          <a:xfrm>
+            <a:off x="2895600" y="5791217"/>
+            <a:ext cx="1447800" cy="597694"/>
+          </a:xfrm>
+          <a:prstGeom prst="ellipse">
+            <a:avLst/>
+          </a:prstGeom>
+        </p:spPr>
+        <p:style>
+          <a:lnRef idx="2">
+            <a:schemeClr val="accent1">
+              <a:shade val="15000"/>
+            </a:schemeClr>
+          </a:lnRef>
+          <a:fillRef idx="1">
+            <a:schemeClr val="accent1"/>
+          </a:fillRef>
+          <a:effectRef idx="0">
+            <a:schemeClr val="accent1"/>
+          </a:effectRef>
+          <a:fontRef idx="minor">
+            <a:schemeClr val="lt1"/>
+          </a:fontRef>
+        </p:style>
+        <p:txBody>
+          <a:bodyPr rtlCol="0" anchor="ctr"/>
+          <a:lstStyle/>
+          <a:p>
+            <a:pPr algn="ctr"/>
+            <a:r>
+              <a:rPr lang="en-US" sz="2000"/>
+              <a:t>Event 1</a:t>
+            </a:r>
+          </a:p>
+        </p:txBody>
+      </p:sp>
+      <p:sp>
+        <p:nvSpPr>
+          <p:cNvPr id="16" name="Oval 15">
+            <a:extLst>
+              <a:ext uri="{FF2B5EF4-FFF2-40B4-BE49-F238E27FC236}">
+                <a16:creationId xmlns:a16="http://schemas.microsoft.com/office/drawing/2014/main" id="{08BBA728-9628-E1FD-1426-DB4B430C8302}"/>
+              </a:ext>
+            </a:extLst>
+          </p:cNvPr>
+          <p:cNvSpPr/>
+          <p:nvPr/>
+        </p:nvSpPr>
+        <p:spPr>
+          <a:xfrm>
+            <a:off x="4851400" y="5791217"/>
+            <a:ext cx="1447800" cy="597694"/>
+          </a:xfrm>
+          <a:prstGeom prst="ellipse">
+            <a:avLst/>
+          </a:prstGeom>
+        </p:spPr>
+        <p:style>
+          <a:lnRef idx="2">
+            <a:schemeClr val="accent1">
+              <a:shade val="15000"/>
+            </a:schemeClr>
+          </a:lnRef>
+          <a:fillRef idx="1">
+            <a:schemeClr val="accent1"/>
+          </a:fillRef>
+          <a:effectRef idx="0">
+            <a:schemeClr val="accent1"/>
+          </a:effectRef>
+          <a:fontRef idx="minor">
+            <a:schemeClr val="lt1"/>
+          </a:fontRef>
+        </p:style>
+        <p:txBody>
+          <a:bodyPr rtlCol="0" anchor="ctr"/>
+          <a:lstStyle/>
+          <a:p>
+            <a:pPr algn="ctr"/>
+            <a:r>
+              <a:rPr lang="en-US" sz="2000"/>
+              <a:t>Event 2</a:t>
+            </a:r>
+          </a:p>
+        </p:txBody>
+      </p:sp>
+      <p:sp>
+        <p:nvSpPr>
+          <p:cNvPr id="17" name="Oval 16">
+            <a:extLst>
+              <a:ext uri="{FF2B5EF4-FFF2-40B4-BE49-F238E27FC236}">
+                <a16:creationId xmlns:a16="http://schemas.microsoft.com/office/drawing/2014/main" id="{19F8BE5A-E36C-41B8-5B98-5BF1CF040E83}"/>
+              </a:ext>
+            </a:extLst>
+          </p:cNvPr>
+          <p:cNvSpPr/>
+          <p:nvPr/>
+        </p:nvSpPr>
+        <p:spPr>
+          <a:xfrm>
+            <a:off x="6807200" y="5791217"/>
+            <a:ext cx="1447800" cy="597694"/>
+          </a:xfrm>
+          <a:prstGeom prst="ellipse">
+            <a:avLst/>
+          </a:prstGeom>
+          <a:solidFill>
+            <a:schemeClr val="bg1"/>
+          </a:solidFill>
+          <a:ln>
+            <a:noFill/>
+          </a:ln>
+        </p:spPr>
+        <p:style>
+          <a:lnRef idx="2">
+            <a:schemeClr val="accent1">
+              <a:shade val="15000"/>
+            </a:schemeClr>
+          </a:lnRef>
+          <a:fillRef idx="1">
+            <a:schemeClr val="accent1"/>
+          </a:fillRef>
+          <a:effectRef idx="0">
+            <a:schemeClr val="accent1"/>
+          </a:effectRef>
+          <a:fontRef idx="minor">
+            <a:schemeClr val="lt1"/>
+          </a:fontRef>
+        </p:style>
+        <p:txBody>
+          <a:bodyPr rtlCol="0" anchor="ctr"/>
+          <a:lstStyle/>
+          <a:p>
+            <a:pPr algn="ctr"/>
+            <a:r>
+              <a:rPr lang="en-US" sz="2000">
+                <a:solidFill>
+                  <a:schemeClr val="tx1"/>
+                </a:solidFill>
+              </a:rPr>
+              <a:t>…</a:t>
+            </a:r>
+          </a:p>
+        </p:txBody>
+      </p:sp>
+      <p:sp>
+        <p:nvSpPr>
+          <p:cNvPr id="18" name="Oval 17">
+            <a:extLst>
+              <a:ext uri="{FF2B5EF4-FFF2-40B4-BE49-F238E27FC236}">
+                <a16:creationId xmlns:a16="http://schemas.microsoft.com/office/drawing/2014/main" id="{A78417D1-5DDC-80C6-0B4E-66724B395D61}"/>
+              </a:ext>
+            </a:extLst>
+          </p:cNvPr>
+          <p:cNvSpPr/>
+          <p:nvPr/>
+        </p:nvSpPr>
+        <p:spPr>
+          <a:xfrm>
+            <a:off x="9080500" y="5791217"/>
+            <a:ext cx="1447800" cy="597694"/>
+          </a:xfrm>
+          <a:prstGeom prst="ellipse">
+            <a:avLst/>
+          </a:prstGeom>
+        </p:spPr>
+        <p:style>
+          <a:lnRef idx="2">
+            <a:schemeClr val="accent1">
+              <a:shade val="15000"/>
+            </a:schemeClr>
+          </a:lnRef>
+          <a:fillRef idx="1">
+            <a:schemeClr val="accent1"/>
+          </a:fillRef>
+          <a:effectRef idx="0">
+            <a:schemeClr val="accent1"/>
+          </a:effectRef>
+          <a:fontRef idx="minor">
+            <a:schemeClr val="lt1"/>
+          </a:fontRef>
+        </p:style>
+        <p:txBody>
+          <a:bodyPr rtlCol="0" anchor="ctr"/>
+          <a:lstStyle/>
+          <a:p>
+            <a:pPr algn="ctr"/>
+            <a:r>
+              <a:rPr lang="en-US" sz="2000"/>
+              <a:t>Death</a:t>
+            </a:r>
+          </a:p>
+        </p:txBody>
+      </p:sp>
+      <p:cxnSp>
+        <p:nvCxnSpPr>
+          <p:cNvPr id="20" name="Curved Connector 19">
+            <a:extLst>
+              <a:ext uri="{FF2B5EF4-FFF2-40B4-BE49-F238E27FC236}">
+                <a16:creationId xmlns:a16="http://schemas.microsoft.com/office/drawing/2014/main" id="{92AD5B24-9126-18B7-C34A-C73FC16E8C25}"/>
+              </a:ext>
+            </a:extLst>
+          </p:cNvPr>
+          <p:cNvCxnSpPr>
+            <a:cxnSpLocks/>
+            <a:stCxn id="9" idx="0"/>
+            <a:endCxn id="11" idx="0"/>
+          </p:cNvCxnSpPr>
+          <p:nvPr/>
+        </p:nvCxnSpPr>
+        <p:spPr>
+          <a:xfrm rot="16200000" flipH="1">
+            <a:off x="2574687" y="3293048"/>
+            <a:ext cx="133826" cy="1955800"/>
+          </a:xfrm>
+          <a:prstGeom prst="curvedConnector3">
+            <a:avLst>
+              <a:gd name="adj1" fmla="val -170819"/>
+            </a:avLst>
+          </a:prstGeom>
+          <a:ln w="57150">
+            <a:solidFill>
+              <a:srgbClr val="FF0000"/>
+            </a:solidFill>
+            <a:tailEnd type="triangle"/>
+          </a:ln>
+        </p:spPr>
+        <p:style>
+          <a:lnRef idx="1">
+            <a:schemeClr val="accent1"/>
+          </a:lnRef>
+          <a:fillRef idx="0">
+            <a:schemeClr val="accent1"/>
+          </a:fillRef>
+          <a:effectRef idx="0">
+            <a:schemeClr val="accent1"/>
+          </a:effectRef>
+          <a:fontRef idx="minor">
+            <a:schemeClr val="tx1"/>
+          </a:fontRef>
+        </p:style>
+      </p:cxnSp>
+      <p:cxnSp>
+        <p:nvCxnSpPr>
+          <p:cNvPr id="26" name="Curved Connector 25">
+            <a:extLst>
+              <a:ext uri="{FF2B5EF4-FFF2-40B4-BE49-F238E27FC236}">
+                <a16:creationId xmlns:a16="http://schemas.microsoft.com/office/drawing/2014/main" id="{5B81A5D0-40D3-5C02-0D34-CC8109B16EC4}"/>
+              </a:ext>
+            </a:extLst>
+          </p:cNvPr>
+          <p:cNvCxnSpPr>
+            <a:cxnSpLocks/>
+            <a:stCxn id="9" idx="0"/>
+            <a:endCxn id="12" idx="0"/>
+          </p:cNvCxnSpPr>
+          <p:nvPr/>
+        </p:nvCxnSpPr>
+        <p:spPr>
+          <a:xfrm rot="16200000" flipH="1">
+            <a:off x="3552587" y="2315148"/>
+            <a:ext cx="133826" cy="3911600"/>
+          </a:xfrm>
+          <a:prstGeom prst="curvedConnector3">
+            <a:avLst>
+              <a:gd name="adj1" fmla="val -227758"/>
+            </a:avLst>
+          </a:prstGeom>
+          <a:ln w="57150">
+            <a:solidFill>
+              <a:srgbClr val="FF0000"/>
+            </a:solidFill>
+            <a:tailEnd type="triangle"/>
+          </a:ln>
+        </p:spPr>
+        <p:style>
+          <a:lnRef idx="1">
+            <a:schemeClr val="accent1"/>
+          </a:lnRef>
+          <a:fillRef idx="0">
+            <a:schemeClr val="accent1"/>
+          </a:fillRef>
+          <a:effectRef idx="0">
+            <a:schemeClr val="accent1"/>
+          </a:effectRef>
+          <a:fontRef idx="minor">
+            <a:schemeClr val="tx1"/>
+          </a:fontRef>
+        </p:style>
+      </p:cxnSp>
+      <p:cxnSp>
+        <p:nvCxnSpPr>
+          <p:cNvPr id="30" name="Curved Connector 29">
+            <a:extLst>
+              <a:ext uri="{FF2B5EF4-FFF2-40B4-BE49-F238E27FC236}">
+                <a16:creationId xmlns:a16="http://schemas.microsoft.com/office/drawing/2014/main" id="{30C972D4-9868-90B4-8B23-11216FF74236}"/>
+              </a:ext>
+            </a:extLst>
+          </p:cNvPr>
+          <p:cNvCxnSpPr>
+            <a:cxnSpLocks/>
+            <a:stCxn id="9" idx="0"/>
+            <a:endCxn id="14" idx="0"/>
+          </p:cNvCxnSpPr>
+          <p:nvPr/>
+        </p:nvCxnSpPr>
+        <p:spPr>
+          <a:xfrm rot="16200000" flipH="1">
+            <a:off x="5667137" y="200598"/>
+            <a:ext cx="133826" cy="8140700"/>
+          </a:xfrm>
+          <a:prstGeom prst="curvedConnector3">
+            <a:avLst>
+              <a:gd name="adj1" fmla="val -303678"/>
+            </a:avLst>
+          </a:prstGeom>
+          <a:ln w="57150">
+            <a:solidFill>
+              <a:srgbClr val="FF0000"/>
+            </a:solidFill>
+            <a:tailEnd type="triangle"/>
+          </a:ln>
+        </p:spPr>
+        <p:style>
+          <a:lnRef idx="1">
+            <a:schemeClr val="accent1"/>
+          </a:lnRef>
+          <a:fillRef idx="0">
+            <a:schemeClr val="accent1"/>
+          </a:fillRef>
+          <a:effectRef idx="0">
+            <a:schemeClr val="accent1"/>
+          </a:effectRef>
+          <a:fontRef idx="minor">
+            <a:schemeClr val="tx1"/>
+          </a:fontRef>
+        </p:style>
+      </p:cxnSp>
+      <p:cxnSp>
+        <p:nvCxnSpPr>
+          <p:cNvPr id="34" name="Curved Connector 33">
+            <a:extLst>
+              <a:ext uri="{FF2B5EF4-FFF2-40B4-BE49-F238E27FC236}">
+                <a16:creationId xmlns:a16="http://schemas.microsoft.com/office/drawing/2014/main" id="{661D2393-BEC0-3741-F107-EDA7C360E92B}"/>
+              </a:ext>
+            </a:extLst>
+          </p:cNvPr>
+          <p:cNvCxnSpPr>
+            <a:cxnSpLocks/>
+          </p:cNvCxnSpPr>
+          <p:nvPr/>
+        </p:nvCxnSpPr>
+        <p:spPr>
+          <a:xfrm rot="16200000" flipH="1">
+            <a:off x="2574687" y="4741721"/>
+            <a:ext cx="133826" cy="1955800"/>
+          </a:xfrm>
+          <a:prstGeom prst="curvedConnector3">
+            <a:avLst>
+              <a:gd name="adj1" fmla="val -170819"/>
+            </a:avLst>
+          </a:prstGeom>
+          <a:ln w="57150">
+            <a:solidFill>
+              <a:srgbClr val="FF0000"/>
+            </a:solidFill>
+            <a:tailEnd type="triangle"/>
+          </a:ln>
+        </p:spPr>
+        <p:style>
+          <a:lnRef idx="1">
+            <a:schemeClr val="accent1"/>
+          </a:lnRef>
+          <a:fillRef idx="0">
+            <a:schemeClr val="accent1"/>
+          </a:fillRef>
+          <a:effectRef idx="0">
+            <a:schemeClr val="accent1"/>
+          </a:effectRef>
+          <a:fontRef idx="minor">
+            <a:schemeClr val="tx1"/>
+          </a:fontRef>
+        </p:style>
+      </p:cxnSp>
+      <p:cxnSp>
+        <p:nvCxnSpPr>
+          <p:cNvPr id="35" name="Curved Connector 34">
+            <a:extLst>
+              <a:ext uri="{FF2B5EF4-FFF2-40B4-BE49-F238E27FC236}">
+                <a16:creationId xmlns:a16="http://schemas.microsoft.com/office/drawing/2014/main" id="{DD184AAF-0331-017A-94FC-624CFBDE2664}"/>
+              </a:ext>
+            </a:extLst>
+          </p:cNvPr>
+          <p:cNvCxnSpPr>
+            <a:cxnSpLocks/>
+          </p:cNvCxnSpPr>
+          <p:nvPr/>
+        </p:nvCxnSpPr>
+        <p:spPr>
+          <a:xfrm rot="16200000" flipH="1">
+            <a:off x="3552587" y="3763821"/>
+            <a:ext cx="133826" cy="3911600"/>
+          </a:xfrm>
+          <a:prstGeom prst="curvedConnector3">
+            <a:avLst>
+              <a:gd name="adj1" fmla="val -227758"/>
+            </a:avLst>
+          </a:prstGeom>
+          <a:ln w="57150">
+            <a:solidFill>
+              <a:srgbClr val="FF0000"/>
+            </a:solidFill>
+            <a:tailEnd type="triangle"/>
+          </a:ln>
+        </p:spPr>
+        <p:style>
+          <a:lnRef idx="1">
+            <a:schemeClr val="accent1"/>
+          </a:lnRef>
+          <a:fillRef idx="0">
+            <a:schemeClr val="accent1"/>
+          </a:fillRef>
+          <a:effectRef idx="0">
+            <a:schemeClr val="accent1"/>
+          </a:effectRef>
+          <a:fontRef idx="minor">
+            <a:schemeClr val="tx1"/>
+          </a:fontRef>
+        </p:style>
+      </p:cxnSp>
+      <p:cxnSp>
+        <p:nvCxnSpPr>
+          <p:cNvPr id="36" name="Curved Connector 35">
+            <a:extLst>
+              <a:ext uri="{FF2B5EF4-FFF2-40B4-BE49-F238E27FC236}">
+                <a16:creationId xmlns:a16="http://schemas.microsoft.com/office/drawing/2014/main" id="{A7A7EDB3-D12F-1BC2-B1B5-3BE2D5A44937}"/>
+              </a:ext>
+            </a:extLst>
+          </p:cNvPr>
+          <p:cNvCxnSpPr>
+            <a:cxnSpLocks/>
+          </p:cNvCxnSpPr>
+          <p:nvPr/>
+        </p:nvCxnSpPr>
+        <p:spPr>
+          <a:xfrm rot="16200000" flipH="1">
+            <a:off x="5667137" y="1649271"/>
+            <a:ext cx="133826" cy="8140700"/>
+          </a:xfrm>
+          <a:prstGeom prst="curvedConnector3">
+            <a:avLst>
+              <a:gd name="adj1" fmla="val -303678"/>
+            </a:avLst>
+          </a:prstGeom>
+          <a:ln w="57150">
+            <a:solidFill>
+              <a:srgbClr val="FF0000"/>
+            </a:solidFill>
+            <a:tailEnd type="triangle"/>
+          </a:ln>
+        </p:spPr>
+        <p:style>
+          <a:lnRef idx="1">
+            <a:schemeClr val="accent1"/>
+          </a:lnRef>
+          <a:fillRef idx="0">
+            <a:schemeClr val="accent1"/>
+          </a:fillRef>
+          <a:effectRef idx="0">
+            <a:schemeClr val="accent1"/>
+          </a:effectRef>
+          <a:fontRef idx="minor">
+            <a:schemeClr val="tx1"/>
+          </a:fontRef>
+        </p:style>
+      </p:cxnSp>
+      <p:cxnSp>
+        <p:nvCxnSpPr>
+          <p:cNvPr id="6" name="Curved Connector 5">
+            <a:extLst>
+              <a:ext uri="{FF2B5EF4-FFF2-40B4-BE49-F238E27FC236}">
+                <a16:creationId xmlns:a16="http://schemas.microsoft.com/office/drawing/2014/main" id="{B9073A04-A5B7-28AD-4A97-C6E8D8B5BC45}"/>
+              </a:ext>
+            </a:extLst>
+          </p:cNvPr>
+          <p:cNvCxnSpPr>
+            <a:cxnSpLocks/>
+            <a:stCxn id="15" idx="0"/>
+            <a:endCxn id="18" idx="0"/>
+          </p:cNvCxnSpPr>
+          <p:nvPr/>
+        </p:nvCxnSpPr>
+        <p:spPr>
+          <a:xfrm rot="5400000" flipH="1" flipV="1">
+            <a:off x="6711950" y="2698767"/>
+            <a:ext cx="12700" cy="6184900"/>
+          </a:xfrm>
+          <a:prstGeom prst="curvedConnector3">
+            <a:avLst>
+              <a:gd name="adj1" fmla="val 3029268"/>
+            </a:avLst>
+          </a:prstGeom>
+          <a:ln w="57150">
+            <a:solidFill>
+              <a:srgbClr val="FF0000"/>
+            </a:solidFill>
+            <a:tailEnd type="triangle"/>
+          </a:ln>
+        </p:spPr>
+        <p:style>
+          <a:lnRef idx="1">
+            <a:schemeClr val="accent1"/>
+          </a:lnRef>
+          <a:fillRef idx="0">
+            <a:schemeClr val="accent1"/>
+          </a:fillRef>
+          <a:effectRef idx="0">
+            <a:schemeClr val="accent1"/>
+          </a:effectRef>
+          <a:fontRef idx="minor">
+            <a:schemeClr val="tx1"/>
+          </a:fontRef>
+        </p:style>
+      </p:cxnSp>
+      <p:cxnSp>
+        <p:nvCxnSpPr>
+          <p:cNvPr id="21" name="Curved Connector 20">
+            <a:extLst>
+              <a:ext uri="{FF2B5EF4-FFF2-40B4-BE49-F238E27FC236}">
+                <a16:creationId xmlns:a16="http://schemas.microsoft.com/office/drawing/2014/main" id="{D9EEB0BC-5DF0-1956-61C7-3520D1663A3E}"/>
+              </a:ext>
+            </a:extLst>
+          </p:cNvPr>
+          <p:cNvCxnSpPr>
+            <a:cxnSpLocks/>
+          </p:cNvCxnSpPr>
+          <p:nvPr/>
+        </p:nvCxnSpPr>
+        <p:spPr>
+          <a:xfrm rot="5400000" flipH="1" flipV="1">
+            <a:off x="6684897" y="1245411"/>
+            <a:ext cx="12700" cy="6184900"/>
+          </a:xfrm>
+          <a:prstGeom prst="curvedConnector3">
+            <a:avLst>
+              <a:gd name="adj1" fmla="val 3029268"/>
+            </a:avLst>
+          </a:prstGeom>
+          <a:ln w="57150">
+            <a:solidFill>
+              <a:srgbClr val="FF0000"/>
+            </a:solidFill>
+            <a:tailEnd type="triangle"/>
+          </a:ln>
+        </p:spPr>
+        <p:style>
+          <a:lnRef idx="1">
+            <a:schemeClr val="accent1"/>
+          </a:lnRef>
+          <a:fillRef idx="0">
+            <a:schemeClr val="accent1"/>
+          </a:fillRef>
+          <a:effectRef idx="0">
+            <a:schemeClr val="accent1"/>
+          </a:effectRef>
+          <a:fontRef idx="minor">
+            <a:schemeClr val="tx1"/>
+          </a:fontRef>
+        </p:style>
+      </p:cxnSp>
+      <p:cxnSp>
+        <p:nvCxnSpPr>
+          <p:cNvPr id="27" name="Curved Connector 26">
+            <a:extLst>
+              <a:ext uri="{FF2B5EF4-FFF2-40B4-BE49-F238E27FC236}">
+                <a16:creationId xmlns:a16="http://schemas.microsoft.com/office/drawing/2014/main" id="{BDFE5762-3799-D1C0-4E29-FA470CCEF0C1}"/>
+              </a:ext>
+            </a:extLst>
+          </p:cNvPr>
+          <p:cNvCxnSpPr>
+            <a:cxnSpLocks/>
+            <a:stCxn id="12" idx="0"/>
+            <a:endCxn id="14" idx="0"/>
+          </p:cNvCxnSpPr>
+          <p:nvPr/>
+        </p:nvCxnSpPr>
+        <p:spPr>
+          <a:xfrm rot="5400000" flipH="1" flipV="1">
+            <a:off x="7689850" y="2223311"/>
+            <a:ext cx="12700" cy="4229100"/>
+          </a:xfrm>
+          <a:prstGeom prst="curvedConnector3">
+            <a:avLst>
+              <a:gd name="adj1" fmla="val 1800000"/>
+            </a:avLst>
+          </a:prstGeom>
+          <a:ln w="57150">
+            <a:solidFill>
+              <a:srgbClr val="FF0000"/>
+            </a:solidFill>
+            <a:tailEnd type="triangle"/>
+          </a:ln>
+        </p:spPr>
+        <p:style>
+          <a:lnRef idx="1">
+            <a:schemeClr val="accent1"/>
+          </a:lnRef>
+          <a:fillRef idx="0">
+            <a:schemeClr val="accent1"/>
+          </a:fillRef>
+          <a:effectRef idx="0">
+            <a:schemeClr val="accent1"/>
+          </a:effectRef>
+          <a:fontRef idx="minor">
+            <a:schemeClr val="tx1"/>
+          </a:fontRef>
+        </p:style>
+      </p:cxnSp>
+      <p:cxnSp>
+        <p:nvCxnSpPr>
+          <p:cNvPr id="31" name="Curved Connector 30">
+            <a:extLst>
+              <a:ext uri="{FF2B5EF4-FFF2-40B4-BE49-F238E27FC236}">
+                <a16:creationId xmlns:a16="http://schemas.microsoft.com/office/drawing/2014/main" id="{4CF44311-D864-C528-2F57-133769277914}"/>
+              </a:ext>
+            </a:extLst>
+          </p:cNvPr>
+          <p:cNvCxnSpPr>
+            <a:cxnSpLocks/>
+          </p:cNvCxnSpPr>
+          <p:nvPr/>
+        </p:nvCxnSpPr>
+        <p:spPr>
+          <a:xfrm rot="5400000" flipH="1" flipV="1">
+            <a:off x="7681586" y="3665635"/>
+            <a:ext cx="12700" cy="4229100"/>
+          </a:xfrm>
+          <a:prstGeom prst="curvedConnector3">
+            <a:avLst>
+              <a:gd name="adj1" fmla="val 1800000"/>
+            </a:avLst>
+          </a:prstGeom>
+          <a:ln w="57150">
+            <a:solidFill>
+              <a:srgbClr val="FF0000"/>
+            </a:solidFill>
+            <a:tailEnd type="triangle"/>
+          </a:ln>
+        </p:spPr>
+        <p:style>
+          <a:lnRef idx="1">
+            <a:schemeClr val="accent1"/>
+          </a:lnRef>
+          <a:fillRef idx="0">
+            <a:schemeClr val="accent1"/>
+          </a:fillRef>
+          <a:effectRef idx="0">
+            <a:schemeClr val="accent1"/>
+          </a:effectRef>
+          <a:fontRef idx="minor">
+            <a:schemeClr val="tx1"/>
+          </a:fontRef>
+        </p:style>
+      </p:cxnSp>
+      <p:sp>
+        <p:nvSpPr>
+          <p:cNvPr id="4" name="Title 3">
+            <a:extLst>
+              <a:ext uri="{FF2B5EF4-FFF2-40B4-BE49-F238E27FC236}">
+                <a16:creationId xmlns:a16="http://schemas.microsoft.com/office/drawing/2014/main" id="{A6FF1C16-6AB4-7D4C-7695-EB7ACF77630B}"/>
+              </a:ext>
+            </a:extLst>
+          </p:cNvPr>
+          <p:cNvSpPr>
+            <a:spLocks noGrp="1"/>
+          </p:cNvSpPr>
+          <p:nvPr>
+            <p:ph type="title"/>
+          </p:nvPr>
+        </p:nvSpPr>
+        <p:spPr/>
+        <p:txBody>
+          <a:bodyPr/>
+          <a:lstStyle/>
+          <a:p>
+            <a:r>
+              <a:rPr lang="en-US" dirty="0"/>
+              <a:t>Background</a:t>
+            </a:r>
+          </a:p>
+        </p:txBody>
+      </p:sp>
+    </p:spTree>
+    <p:extLst>
+      <p:ext uri="{BB962C8B-B14F-4D97-AF65-F5344CB8AC3E}">
+        <p14:creationId xmlns:p14="http://schemas.microsoft.com/office/powerpoint/2010/main" val="923414423"/>
+      </p:ext>
+    </p:extLst>
+  </p:cSld>
+  <p:clrMapOvr>
+    <a:masterClrMapping/>
+  </p:clrMapOvr>
+  <p:timing>
+    <p:tnLst>
+      <p:par>
+        <p:cTn id="1" dur="indefinite" restart="never" nodeType="tmRoot">
+          <p:childTnLst>
+            <p:seq concurrent="1" nextAc="seek">
+              <p:cTn id="2" dur="indefinite" nodeType="mainSeq">
+                <p:childTnLst>
+                  <p:par>
+                    <p:cTn id="3" fill="hold">
+                      <p:stCondLst>
+                        <p:cond delay="indefinite"/>
+                      </p:stCondLst>
+                      <p:childTnLst>
+                        <p:par>
+                          <p:cTn id="4" fill="hold">
+                            <p:stCondLst>
+                              <p:cond delay="0"/>
+                            </p:stCondLst>
+                            <p:childTnLst>
+                              <p:par>
+                                <p:cTn id="5" presetID="1" presetClass="entr" presetSubtype="0" fill="hold" nodeType="clickEffect">
+                                  <p:stCondLst>
+                                    <p:cond delay="0"/>
+                                  </p:stCondLst>
+                                  <p:childTnLst>
+                                    <p:set>
+                                      <p:cBhvr>
+                                        <p:cTn id="6" dur="1" fill="hold">
+                                          <p:stCondLst>
+                                            <p:cond delay="0"/>
+                                          </p:stCondLst>
+                                        </p:cTn>
+                                        <p:tgtEl>
+                                          <p:spTgt spid="20"/>
+                                        </p:tgtEl>
+                                        <p:attrNameLst>
+                                          <p:attrName>style.visibility</p:attrName>
+                                        </p:attrNameLst>
+                                      </p:cBhvr>
+                                      <p:to>
+                                        <p:strVal val="visible"/>
+                                      </p:to>
+                                    </p:set>
+                                  </p:childTnLst>
+                                </p:cTn>
+                              </p:par>
+                              <p:par>
+                                <p:cTn id="7" presetID="1" presetClass="entr" presetSubtype="0" fill="hold" nodeType="withEffect">
+                                  <p:stCondLst>
+                                    <p:cond delay="0"/>
+                                  </p:stCondLst>
+                                  <p:childTnLst>
+                                    <p:set>
+                                      <p:cBhvr>
+                                        <p:cTn id="8" dur="1" fill="hold">
+                                          <p:stCondLst>
+                                            <p:cond delay="0"/>
+                                          </p:stCondLst>
+                                        </p:cTn>
+                                        <p:tgtEl>
+                                          <p:spTgt spid="34"/>
+                                        </p:tgtEl>
+                                        <p:attrNameLst>
+                                          <p:attrName>style.visibility</p:attrName>
+                                        </p:attrNameLst>
+                                      </p:cBhvr>
+                                      <p:to>
+                                        <p:strVal val="visible"/>
+                                      </p:to>
+                                    </p:set>
+                                  </p:childTnLst>
+                                </p:cTn>
+                              </p:par>
+                            </p:childTnLst>
+                          </p:cTn>
+                        </p:par>
+                      </p:childTnLst>
+                    </p:cTn>
+                  </p:par>
+                  <p:par>
+                    <p:cTn id="9" fill="hold">
+                      <p:stCondLst>
+                        <p:cond delay="indefinite"/>
+                      </p:stCondLst>
+                      <p:childTnLst>
+                        <p:par>
+                          <p:cTn id="10" fill="hold">
+                            <p:stCondLst>
+                              <p:cond delay="0"/>
+                            </p:stCondLst>
+                            <p:childTnLst>
+                              <p:par>
+                                <p:cTn id="11" presetID="1" presetClass="entr" presetSubtype="0" fill="hold" nodeType="clickEffect">
+                                  <p:stCondLst>
+                                    <p:cond delay="0"/>
+                                  </p:stCondLst>
+                                  <p:childTnLst>
+                                    <p:set>
+                                      <p:cBhvr>
+                                        <p:cTn id="12" dur="1" fill="hold">
+                                          <p:stCondLst>
+                                            <p:cond delay="0"/>
+                                          </p:stCondLst>
+                                        </p:cTn>
+                                        <p:tgtEl>
+                                          <p:spTgt spid="26"/>
+                                        </p:tgtEl>
+                                        <p:attrNameLst>
+                                          <p:attrName>style.visibility</p:attrName>
+                                        </p:attrNameLst>
+                                      </p:cBhvr>
+                                      <p:to>
+                                        <p:strVal val="visible"/>
+                                      </p:to>
+                                    </p:set>
+                                  </p:childTnLst>
+                                </p:cTn>
+                              </p:par>
+                              <p:par>
+                                <p:cTn id="13" presetID="1" presetClass="entr" presetSubtype="0" fill="hold" nodeType="withEffect">
+                                  <p:stCondLst>
+                                    <p:cond delay="0"/>
+                                  </p:stCondLst>
+                                  <p:childTnLst>
+                                    <p:set>
+                                      <p:cBhvr>
+                                        <p:cTn id="14" dur="1" fill="hold">
+                                          <p:stCondLst>
+                                            <p:cond delay="0"/>
+                                          </p:stCondLst>
+                                        </p:cTn>
+                                        <p:tgtEl>
+                                          <p:spTgt spid="35"/>
+                                        </p:tgtEl>
+                                        <p:attrNameLst>
+                                          <p:attrName>style.visibility</p:attrName>
+                                        </p:attrNameLst>
+                                      </p:cBhvr>
+                                      <p:to>
+                                        <p:strVal val="visible"/>
+                                      </p:to>
+                                    </p:set>
+                                  </p:childTnLst>
+                                </p:cTn>
+                              </p:par>
+                            </p:childTnLst>
+                          </p:cTn>
+                        </p:par>
+                      </p:childTnLst>
+                    </p:cTn>
+                  </p:par>
+                  <p:par>
+                    <p:cTn id="15" fill="hold">
+                      <p:stCondLst>
+                        <p:cond delay="indefinite"/>
+                      </p:stCondLst>
+                      <p:childTnLst>
+                        <p:par>
+                          <p:cTn id="16" fill="hold">
+                            <p:stCondLst>
+                              <p:cond delay="0"/>
+                            </p:stCondLst>
+                            <p:childTnLst>
+                              <p:par>
+                                <p:cTn id="17" presetID="1" presetClass="entr" presetSubtype="0" fill="hold" nodeType="clickEffect">
+                                  <p:stCondLst>
+                                    <p:cond delay="0"/>
+                                  </p:stCondLst>
+                                  <p:childTnLst>
+                                    <p:set>
+                                      <p:cBhvr>
+                                        <p:cTn id="18" dur="1" fill="hold">
+                                          <p:stCondLst>
+                                            <p:cond delay="0"/>
+                                          </p:stCondLst>
+                                        </p:cTn>
+                                        <p:tgtEl>
+                                          <p:spTgt spid="30"/>
+                                        </p:tgtEl>
+                                        <p:attrNameLst>
+                                          <p:attrName>style.visibility</p:attrName>
+                                        </p:attrNameLst>
+                                      </p:cBhvr>
+                                      <p:to>
+                                        <p:strVal val="visible"/>
+                                      </p:to>
+                                    </p:set>
+                                  </p:childTnLst>
+                                </p:cTn>
+                              </p:par>
+                              <p:par>
+                                <p:cTn id="19" presetID="1" presetClass="entr" presetSubtype="0" fill="hold" nodeType="withEffect">
+                                  <p:stCondLst>
+                                    <p:cond delay="0"/>
+                                  </p:stCondLst>
+                                  <p:childTnLst>
+                                    <p:set>
+                                      <p:cBhvr>
+                                        <p:cTn id="20" dur="1" fill="hold">
+                                          <p:stCondLst>
+                                            <p:cond delay="0"/>
+                                          </p:stCondLst>
+                                        </p:cTn>
+                                        <p:tgtEl>
+                                          <p:spTgt spid="36"/>
+                                        </p:tgtEl>
+                                        <p:attrNameLst>
+                                          <p:attrName>style.visibility</p:attrName>
+                                        </p:attrNameLst>
+                                      </p:cBhvr>
+                                      <p:to>
+                                        <p:strVal val="visible"/>
+                                      </p:to>
+                                    </p:set>
+                                  </p:childTnLst>
+                                </p:cTn>
+                              </p:par>
+                            </p:childTnLst>
+                          </p:cTn>
+                        </p:par>
+                      </p:childTnLst>
+                    </p:cTn>
+                  </p:par>
+                  <p:par>
+                    <p:cTn id="21" fill="hold">
+                      <p:stCondLst>
+                        <p:cond delay="indefinite"/>
+                      </p:stCondLst>
+                      <p:childTnLst>
+                        <p:par>
+                          <p:cTn id="22" fill="hold">
+                            <p:stCondLst>
+                              <p:cond delay="0"/>
+                            </p:stCondLst>
+                            <p:childTnLst>
+                              <p:par>
+                                <p:cTn id="23" presetID="1" presetClass="entr" presetSubtype="0" fill="hold" nodeType="clickEffect">
+                                  <p:stCondLst>
+                                    <p:cond delay="0"/>
+                                  </p:stCondLst>
+                                  <p:childTnLst>
+                                    <p:set>
+                                      <p:cBhvr>
+                                        <p:cTn id="24" dur="1" fill="hold">
+                                          <p:stCondLst>
+                                            <p:cond delay="0"/>
+                                          </p:stCondLst>
+                                        </p:cTn>
+                                        <p:tgtEl>
+                                          <p:spTgt spid="21"/>
+                                        </p:tgtEl>
+                                        <p:attrNameLst>
+                                          <p:attrName>style.visibility</p:attrName>
+                                        </p:attrNameLst>
+                                      </p:cBhvr>
+                                      <p:to>
+                                        <p:strVal val="visible"/>
+                                      </p:to>
+                                    </p:set>
+                                  </p:childTnLst>
+                                </p:cTn>
+                              </p:par>
+                              <p:par>
+                                <p:cTn id="25" presetID="1" presetClass="entr" presetSubtype="0" fill="hold" nodeType="withEffect">
+                                  <p:stCondLst>
+                                    <p:cond delay="0"/>
+                                  </p:stCondLst>
+                                  <p:childTnLst>
+                                    <p:set>
+                                      <p:cBhvr>
+                                        <p:cTn id="26" dur="1" fill="hold">
+                                          <p:stCondLst>
+                                            <p:cond delay="0"/>
+                                          </p:stCondLst>
+                                        </p:cTn>
+                                        <p:tgtEl>
+                                          <p:spTgt spid="6"/>
+                                        </p:tgtEl>
+                                        <p:attrNameLst>
+                                          <p:attrName>style.visibility</p:attrName>
+                                        </p:attrNameLst>
+                                      </p:cBhvr>
+                                      <p:to>
+                                        <p:strVal val="visible"/>
+                                      </p:to>
+                                    </p:set>
+                                  </p:childTnLst>
+                                </p:cTn>
+                              </p:par>
+                            </p:childTnLst>
+                          </p:cTn>
+                        </p:par>
+                      </p:childTnLst>
+                    </p:cTn>
+                  </p:par>
+                  <p:par>
+                    <p:cTn id="27" fill="hold">
+                      <p:stCondLst>
+                        <p:cond delay="indefinite"/>
+                      </p:stCondLst>
+                      <p:childTnLst>
+                        <p:par>
+                          <p:cTn id="28" fill="hold">
+                            <p:stCondLst>
+                              <p:cond delay="0"/>
+                            </p:stCondLst>
+                            <p:childTnLst>
+                              <p:par>
+                                <p:cTn id="29" presetID="1" presetClass="entr" presetSubtype="0" fill="hold" nodeType="clickEffect">
+                                  <p:stCondLst>
+                                    <p:cond delay="0"/>
+                                  </p:stCondLst>
+                                  <p:childTnLst>
+                                    <p:set>
+                                      <p:cBhvr>
+                                        <p:cTn id="30" dur="1" fill="hold">
+                                          <p:stCondLst>
+                                            <p:cond delay="0"/>
+                                          </p:stCondLst>
+                                        </p:cTn>
+                                        <p:tgtEl>
+                                          <p:spTgt spid="31"/>
+                                        </p:tgtEl>
+                                        <p:attrNameLst>
+                                          <p:attrName>style.visibility</p:attrName>
+                                        </p:attrNameLst>
+                                      </p:cBhvr>
+                                      <p:to>
+                                        <p:strVal val="visible"/>
+                                      </p:to>
+                                    </p:set>
+                                  </p:childTnLst>
+                                </p:cTn>
+                              </p:par>
+                              <p:par>
+                                <p:cTn id="31" presetID="1" presetClass="entr" presetSubtype="0" fill="hold" nodeType="withEffect">
+                                  <p:stCondLst>
+                                    <p:cond delay="0"/>
+                                  </p:stCondLst>
+                                  <p:childTnLst>
+                                    <p:set>
+                                      <p:cBhvr>
+                                        <p:cTn id="32" dur="1" fill="hold">
+                                          <p:stCondLst>
+                                            <p:cond delay="0"/>
+                                          </p:stCondLst>
+                                        </p:cTn>
+                                        <p:tgtEl>
+                                          <p:spTgt spid="27"/>
+                                        </p:tgtEl>
+                                        <p:attrNameLst>
+                                          <p:attrName>style.visibility</p:attrName>
+                                        </p:attrNameLst>
+                                      </p:cBhvr>
+                                      <p:to>
+                                        <p:strVal val="visible"/>
+                                      </p:to>
+                                    </p:set>
+                                  </p:childTnLst>
+                                </p:cTn>
+                              </p:par>
+                            </p:childTnLst>
+                          </p:cTn>
+                        </p:par>
+                      </p:childTnLst>
+                    </p:cTn>
+                  </p:par>
+                </p:childTnLst>
+              </p:cTn>
+              <p:prevCondLst>
+                <p:cond evt="onPrev" delay="0">
+                  <p:tgtEl>
+                    <p:sldTgt/>
+                  </p:tgtEl>
+                </p:cond>
+              </p:prevCondLst>
+              <p:nextCondLst>
+                <p:cond evt="onNext" delay="0">
+                  <p:tgtEl>
+                    <p:sldTgt/>
+                  </p:tgtEl>
+                </p:cond>
+              </p:nextCondLst>
+            </p:seq>
+          </p:childTnLst>
+        </p:cTn>
+      </p:par>
+    </p:tnLst>
+  </p:timing>
+</p:sld>
+</file>
+
+<file path=ppt/slides/slide4.xml><?xml version="1.0" encoding="utf-8"?>
+<p:sld xmlns:a="http://schemas.openxmlformats.org/drawingml/2006/main" xmlns:r="http://schemas.openxmlformats.org/officeDocument/2006/relationships" xmlns:p="http://schemas.openxmlformats.org/presentationml/2006/main">
+  <p:cSld>
+    <p:spTree>
+      <p:nvGrpSpPr>
+        <p:cNvPr id="1" name="">
+          <a:extLst>
+            <a:ext uri="{FF2B5EF4-FFF2-40B4-BE49-F238E27FC236}">
+              <a16:creationId xmlns:a16="http://schemas.microsoft.com/office/drawing/2014/main" id="{77B2AE6C-9231-BFB2-20CC-0138389D7B83}"/>
+            </a:ext>
+          </a:extLst>
+        </p:cNvPr>
+        <p:cNvGrpSpPr/>
+        <p:nvPr/>
+      </p:nvGrpSpPr>
+      <p:grpSpPr>
+        <a:xfrm>
+          <a:off x="0" y="0"/>
+          <a:ext cx="0" cy="0"/>
+          <a:chOff x="0" y="0"/>
+          <a:chExt cx="0" cy="0"/>
+        </a:xfrm>
+      </p:grpSpPr>
+      <p:sp>
+        <p:nvSpPr>
           <p:cNvPr id="2" name="Title 1">
             <a:extLst>
               <a:ext uri="{FF2B5EF4-FFF2-40B4-BE49-F238E27FC236}">
+                <a16:creationId xmlns:a16="http://schemas.microsoft.com/office/drawing/2014/main" id="{D5906952-DCF7-DA72-4CF4-1CBE4474779A}"/>
+              </a:ext>
+            </a:extLst>
+          </p:cNvPr>
+          <p:cNvSpPr>
+            <a:spLocks noGrp="1"/>
+          </p:cNvSpPr>
+          <p:nvPr>
+            <p:ph type="title"/>
+          </p:nvPr>
+        </p:nvSpPr>
+        <p:spPr/>
+        <p:txBody>
+          <a:bodyPr/>
+          <a:lstStyle/>
+          <a:p>
+            <a:r>
+              <a:rPr lang="en-US" dirty="0"/>
+              <a:t>Graphical notation</a:t>
+            </a:r>
+          </a:p>
+        </p:txBody>
+      </p:sp>
+      <p:pic>
+        <p:nvPicPr>
+          <p:cNvPr id="12" name="Content Placeholder 11">
+            <a:extLst>
+              <a:ext uri="{FF2B5EF4-FFF2-40B4-BE49-F238E27FC236}">
+                <a16:creationId xmlns:a16="http://schemas.microsoft.com/office/drawing/2014/main" id="{47EA2F6C-467F-5B51-DEE5-5841F3C35E8F}"/>
+              </a:ext>
+            </a:extLst>
+          </p:cNvPr>
+          <p:cNvPicPr>
+            <a:picLocks noGrp="1" noChangeAspect="1"/>
+          </p:cNvPicPr>
+          <p:nvPr>
+            <p:ph sz="half" idx="2"/>
+          </p:nvPr>
+        </p:nvPicPr>
+        <p:blipFill>
+          <a:blip r:embed="rId2"/>
+          <a:stretch>
+            <a:fillRect/>
+          </a:stretch>
+        </p:blipFill>
+        <p:spPr>
+          <a:xfrm>
+            <a:off x="6477000" y="2629694"/>
+            <a:ext cx="4572000" cy="2743200"/>
+          </a:xfrm>
+        </p:spPr>
+      </p:pic>
+      <p:sp>
+        <p:nvSpPr>
+          <p:cNvPr id="10" name="Content Placeholder 9">
+            <a:extLst>
+              <a:ext uri="{FF2B5EF4-FFF2-40B4-BE49-F238E27FC236}">
+                <a16:creationId xmlns:a16="http://schemas.microsoft.com/office/drawing/2014/main" id="{87F66A51-CE42-1C39-9AFD-F911E454A26E}"/>
+              </a:ext>
+            </a:extLst>
+          </p:cNvPr>
+          <p:cNvSpPr>
+            <a:spLocks noGrp="1"/>
+          </p:cNvSpPr>
+          <p:nvPr>
+            <p:ph sz="half" idx="1"/>
+          </p:nvPr>
+        </p:nvSpPr>
+        <p:spPr/>
+        <p:txBody>
+          <a:bodyPr/>
+          <a:lstStyle/>
+          <a:p>
+            <a:pPr marL="0" indent="0">
+              <a:buNone/>
+            </a:pPr>
+            <a:r>
+              <a:rPr lang="en-US" dirty="0"/>
+              <a:t>The time horizon of the simulation </a:t>
+            </a:r>
+          </a:p>
+          <a:p>
+            <a:r>
+              <a:rPr lang="en-US" dirty="0"/>
+              <a:t>Stop the simulation at 110</a:t>
+            </a:r>
+          </a:p>
+        </p:txBody>
+      </p:sp>
+      <p:sp>
+        <p:nvSpPr>
+          <p:cNvPr id="13" name="TextBox 12">
+            <a:extLst>
+              <a:ext uri="{FF2B5EF4-FFF2-40B4-BE49-F238E27FC236}">
+                <a16:creationId xmlns:a16="http://schemas.microsoft.com/office/drawing/2014/main" id="{2E766AC9-9FB9-B76A-106C-1391AC138726}"/>
+              </a:ext>
+            </a:extLst>
+          </p:cNvPr>
+          <p:cNvSpPr txBox="1"/>
+          <p:nvPr/>
+        </p:nvSpPr>
+        <p:spPr>
+          <a:xfrm>
+            <a:off x="1013254" y="6123543"/>
+            <a:ext cx="1855316" cy="369332"/>
+          </a:xfrm>
+          <a:prstGeom prst="rect">
+            <a:avLst/>
+          </a:prstGeom>
+          <a:noFill/>
+        </p:spPr>
+        <p:txBody>
+          <a:bodyPr wrap="none" rtlCol="0">
+            <a:spAutoFit/>
+          </a:bodyPr>
+          <a:lstStyle/>
+          <a:p>
+            <a:r>
+              <a:rPr lang="en-US" i="1" dirty="0"/>
+              <a:t>All times in years</a:t>
+            </a:r>
+          </a:p>
+        </p:txBody>
+      </p:sp>
+    </p:spTree>
+    <p:extLst>
+      <p:ext uri="{BB962C8B-B14F-4D97-AF65-F5344CB8AC3E}">
+        <p14:creationId xmlns:p14="http://schemas.microsoft.com/office/powerpoint/2010/main" val="2374348497"/>
+      </p:ext>
+    </p:extLst>
+  </p:cSld>
+  <p:clrMapOvr>
+    <a:masterClrMapping/>
+  </p:clrMapOvr>
+</p:sld>
+</file>
+
+<file path=ppt/slides/slide5.xml><?xml version="1.0" encoding="utf-8"?>
+<p:sld xmlns:a="http://schemas.openxmlformats.org/drawingml/2006/main" xmlns:r="http://schemas.openxmlformats.org/officeDocument/2006/relationships" xmlns:p="http://schemas.openxmlformats.org/presentationml/2006/main">
+  <p:cSld>
+    <p:spTree>
+      <p:nvGrpSpPr>
+        <p:cNvPr id="1" name=""/>
+        <p:cNvGrpSpPr/>
+        <p:nvPr/>
+      </p:nvGrpSpPr>
+      <p:grpSpPr>
+        <a:xfrm>
+          <a:off x="0" y="0"/>
+          <a:ext cx="0" cy="0"/>
+          <a:chOff x="0" y="0"/>
+          <a:chExt cx="0" cy="0"/>
+        </a:xfrm>
+      </p:grpSpPr>
+      <p:sp>
+        <p:nvSpPr>
+          <p:cNvPr id="2" name="Title 1">
+            <a:extLst>
+              <a:ext uri="{FF2B5EF4-FFF2-40B4-BE49-F238E27FC236}">
                 <a16:creationId xmlns:a16="http://schemas.microsoft.com/office/drawing/2014/main" id="{504B3628-7107-EFB3-3A28-DE8228B6892C}"/>
               </a:ext>
             </a:extLst>
@@ -3957,7 +6910,7 @@
           <a:p>
             <a:r>
               <a:rPr lang="en-US" dirty="0"/>
-              <a:t>Notation </a:t>
+              <a:t>Graphical notation</a:t>
             </a:r>
           </a:p>
         </p:txBody>
@@ -4059,7 +7012,7 @@
 </p:sld>
 </file>
 
-<file path=ppt/slides/slide4.xml><?xml version="1.0" encoding="utf-8"?>
+<file path=ppt/slides/slide6.xml><?xml version="1.0" encoding="utf-8"?>
 <p:sld xmlns:a="http://schemas.openxmlformats.org/drawingml/2006/main" xmlns:r="http://schemas.openxmlformats.org/officeDocument/2006/relationships" xmlns:p="http://schemas.openxmlformats.org/presentationml/2006/main">
   <p:cSld>
     <p:spTree>
@@ -4105,7 +7058,7 @@
           <a:p>
             <a:r>
               <a:rPr lang="en-US" dirty="0"/>
-              <a:t>Exactly one event</a:t>
+              <a:t>Graphical notation: Exactly one event</a:t>
             </a:r>
           </a:p>
         </p:txBody>
@@ -4148,16 +7101,19 @@
             </a:r>
           </a:p>
           <a:p>
+            <a:pPr marL="0" indent="0">
+              <a:buNone/>
+            </a:pPr>
             <a:r>
               <a:rPr lang="en-US" dirty="0"/>
-              <a:t>Example: death from all causes </a:t>
-            </a:r>
-          </a:p>
-          <a:p>
-            <a:pPr marL="0" indent="0">
-              <a:buNone/>
-            </a:pPr>
-            <a:endParaRPr lang="en-US" dirty="0"/>
+              <a:t>Example:</a:t>
+            </a:r>
+          </a:p>
+          <a:p>
+            <a:r>
+              <a:rPr lang="en-US" dirty="0"/>
+              <a:t>death from all causes </a:t>
+            </a:r>
           </a:p>
           <a:p>
             <a:pPr marL="0" indent="0">
@@ -4221,7 +7177,7 @@
 </p:sld>
 </file>
 
-<file path=ppt/slides/slide5.xml><?xml version="1.0" encoding="utf-8"?>
+<file path=ppt/slides/slide7.xml><?xml version="1.0" encoding="utf-8"?>
 <p:sld xmlns:a="http://schemas.openxmlformats.org/drawingml/2006/main" xmlns:r="http://schemas.openxmlformats.org/officeDocument/2006/relationships" xmlns:p="http://schemas.openxmlformats.org/presentationml/2006/main">
   <p:cSld>
     <p:spTree>
@@ -4267,7 +7223,7 @@
           <a:p>
             <a:r>
               <a:rPr lang="en-US" dirty="0"/>
-              <a:t>At most one event</a:t>
+              <a:t>Graphical notation: At most one event</a:t>
             </a:r>
           </a:p>
         </p:txBody>
@@ -4310,9 +7266,18 @@
             </a:r>
           </a:p>
           <a:p>
+            <a:pPr marL="0" indent="0">
+              <a:buNone/>
+            </a:pPr>
             <a:r>
               <a:rPr lang="en-US" dirty="0"/>
-              <a:t>Example: death from cardiovascular disease (CVD) occurred at age 78</a:t>
+              <a:t>Example:</a:t>
+            </a:r>
+          </a:p>
+          <a:p>
+            <a:r>
+              <a:rPr lang="en-US" dirty="0"/>
+              <a:t>Death from cardiovascular disease (CVD) occurred at age 78</a:t>
             </a:r>
           </a:p>
           <a:p>
@@ -4383,7 +7348,7 @@
 </p:sld>
 </file>
 
-<file path=ppt/slides/slide6.xml><?xml version="1.0" encoding="utf-8"?>
+<file path=ppt/slides/slide8.xml><?xml version="1.0" encoding="utf-8"?>
 <p:sld xmlns:a="http://schemas.openxmlformats.org/drawingml/2006/main" xmlns:r="http://schemas.openxmlformats.org/officeDocument/2006/relationships" xmlns:p="http://schemas.openxmlformats.org/presentationml/2006/main">
   <p:cSld>
     <p:spTree>
@@ -4429,7 +7394,7 @@
           <a:p>
             <a:r>
               <a:rPr lang="en-US" dirty="0"/>
-              <a:t>At most one event</a:t>
+              <a:t>Graphical notation: At most one event</a:t>
             </a:r>
           </a:p>
         </p:txBody>
@@ -4472,9 +7437,18 @@
             </a:r>
           </a:p>
           <a:p>
+            <a:pPr marL="0" indent="0">
+              <a:buNone/>
+            </a:pPr>
             <a:r>
               <a:rPr lang="en-US" dirty="0"/>
-              <a:t>Example: death from CVD does not occur</a:t>
+              <a:t>Example:</a:t>
+            </a:r>
+          </a:p>
+          <a:p>
+            <a:r>
+              <a:rPr lang="en-US" dirty="0"/>
+              <a:t>Death from CVD does not occur</a:t>
             </a:r>
           </a:p>
           <a:p>
@@ -4545,7 +7519,7 @@
 </p:sld>
 </file>
 
-<file path=ppt/slides/slide7.xml><?xml version="1.0" encoding="utf-8"?>
+<file path=ppt/slides/slide9.xml><?xml version="1.0" encoding="utf-8"?>
 <p:sld xmlns:a="http://schemas.openxmlformats.org/drawingml/2006/main" xmlns:r="http://schemas.openxmlformats.org/officeDocument/2006/relationships" xmlns:p="http://schemas.openxmlformats.org/presentationml/2006/main">
   <p:cSld>
     <p:spTree>
@@ -4591,7 +7565,7 @@
           <a:p>
             <a:r>
               <a:rPr lang="en-US" dirty="0"/>
-              <a:t>Zero, one, or more events</a:t>
+              <a:t>Graphical notation: Zero, one, or more events</a:t>
             </a:r>
           </a:p>
         </p:txBody>
@@ -4634,9 +7608,18 @@
             </a:r>
           </a:p>
           <a:p>
+            <a:pPr marL="0" indent="0">
+              <a:buNone/>
+            </a:pPr>
             <a:r>
               <a:rPr lang="en-US" dirty="0"/>
-              <a:t>Example: occurrence of lesions at 55 and 68 years</a:t>
+              <a:t>Example:</a:t>
+            </a:r>
+          </a:p>
+          <a:p>
+            <a:r>
+              <a:rPr lang="en-US" dirty="0"/>
+              <a:t>Occurrence of lesions at 55 and 68 years</a:t>
             </a:r>
           </a:p>
           <a:p>
@@ -4698,189 +7681,6 @@
     <p:extLst>
       <p:ext uri="{BB962C8B-B14F-4D97-AF65-F5344CB8AC3E}">
         <p14:creationId xmlns:p14="http://schemas.microsoft.com/office/powerpoint/2010/main" val="1701159781"/>
-      </p:ext>
-    </p:extLst>
-  </p:cSld>
-  <p:clrMapOvr>
-    <a:masterClrMapping/>
-  </p:clrMapOvr>
-</p:sld>
-</file>
-
-<file path=ppt/slides/slide8.xml><?xml version="1.0" encoding="utf-8"?>
-<p:sld xmlns:a="http://schemas.openxmlformats.org/drawingml/2006/main" xmlns:r="http://schemas.openxmlformats.org/officeDocument/2006/relationships" xmlns:p="http://schemas.openxmlformats.org/presentationml/2006/main">
-  <p:cSld>
-    <p:spTree>
-      <p:nvGrpSpPr>
-        <p:cNvPr id="1" name=""/>
-        <p:cNvGrpSpPr/>
-        <p:nvPr/>
-      </p:nvGrpSpPr>
-      <p:grpSpPr>
-        <a:xfrm>
-          <a:off x="0" y="0"/>
-          <a:ext cx="0" cy="0"/>
-          <a:chOff x="0" y="0"/>
-          <a:chExt cx="0" cy="0"/>
-        </a:xfrm>
-      </p:grpSpPr>
-      <p:sp>
-        <p:nvSpPr>
-          <p:cNvPr id="2" name="Title 1">
-            <a:extLst>
-              <a:ext uri="{FF2B5EF4-FFF2-40B4-BE49-F238E27FC236}">
-                <a16:creationId xmlns:a16="http://schemas.microsoft.com/office/drawing/2014/main" id="{8201683B-C269-B078-0AA5-FFAFAE5D2ED3}"/>
-              </a:ext>
-            </a:extLst>
-          </p:cNvPr>
-          <p:cNvSpPr>
-            <a:spLocks noGrp="1"/>
-          </p:cNvSpPr>
-          <p:nvPr>
-            <p:ph type="title"/>
-          </p:nvPr>
-        </p:nvSpPr>
-        <p:spPr/>
-        <p:txBody>
-          <a:bodyPr/>
-          <a:lstStyle/>
-          <a:p>
-            <a:r>
-              <a:rPr lang="en-US" dirty="0"/>
-              <a:t>Chained events (events in series)</a:t>
-            </a:r>
-          </a:p>
-        </p:txBody>
-      </p:sp>
-      <p:sp>
-        <p:nvSpPr>
-          <p:cNvPr id="3" name="Content Placeholder 2">
-            <a:extLst>
-              <a:ext uri="{FF2B5EF4-FFF2-40B4-BE49-F238E27FC236}">
-                <a16:creationId xmlns:a16="http://schemas.microsoft.com/office/drawing/2014/main" id="{F8619C45-26A6-2FC3-FBB3-72A5C9372E50}"/>
-              </a:ext>
-            </a:extLst>
-          </p:cNvPr>
-          <p:cNvSpPr>
-            <a:spLocks noGrp="1"/>
-          </p:cNvSpPr>
-          <p:nvPr>
-            <p:ph sz="half" idx="1"/>
-          </p:nvPr>
-        </p:nvSpPr>
-        <p:spPr/>
-        <p:txBody>
-          <a:bodyPr/>
-          <a:lstStyle/>
-          <a:p>
-            <a:pPr marL="0" indent="0">
-              <a:buNone/>
-            </a:pPr>
-            <a:r>
-              <a:rPr lang="en-US" dirty="0"/>
-              <a:t>In chained events, the subsequent event process starts when the preceding event occurs</a:t>
-            </a:r>
-          </a:p>
-          <a:p>
-            <a:r>
-              <a:rPr lang="en-US" dirty="0"/>
-              <a:t>Example: clinical cancer start after </a:t>
-            </a:r>
-            <a:r>
-              <a:rPr lang="en-US"/>
-              <a:t>cancer emergence </a:t>
-            </a:r>
-            <a:endParaRPr lang="en-US" dirty="0"/>
-          </a:p>
-        </p:txBody>
-      </p:sp>
-      <p:sp>
-        <p:nvSpPr>
-          <p:cNvPr id="4" name="Content Placeholder 3">
-            <a:extLst>
-              <a:ext uri="{FF2B5EF4-FFF2-40B4-BE49-F238E27FC236}">
-                <a16:creationId xmlns:a16="http://schemas.microsoft.com/office/drawing/2014/main" id="{D24BF0FD-995A-A167-B168-3FB4127EB0E5}"/>
-              </a:ext>
-            </a:extLst>
-          </p:cNvPr>
-          <p:cNvSpPr>
-            <a:spLocks noGrp="1"/>
-          </p:cNvSpPr>
-          <p:nvPr>
-            <p:ph sz="half" idx="2"/>
-          </p:nvPr>
-        </p:nvSpPr>
-        <p:spPr/>
-        <p:txBody>
-          <a:bodyPr/>
-          <a:lstStyle/>
-          <a:p>
-            <a:endParaRPr lang="en-US"/>
-          </a:p>
-        </p:txBody>
-      </p:sp>
-    </p:spTree>
-    <p:extLst>
-      <p:ext uri="{BB962C8B-B14F-4D97-AF65-F5344CB8AC3E}">
-        <p14:creationId xmlns:p14="http://schemas.microsoft.com/office/powerpoint/2010/main" val="1375681185"/>
-      </p:ext>
-    </p:extLst>
-  </p:cSld>
-  <p:clrMapOvr>
-    <a:masterClrMapping/>
-  </p:clrMapOvr>
-</p:sld>
-</file>
-
-<file path=ppt/slides/slide9.xml><?xml version="1.0" encoding="utf-8"?>
-<p:sld xmlns:a="http://schemas.openxmlformats.org/drawingml/2006/main" xmlns:r="http://schemas.openxmlformats.org/officeDocument/2006/relationships" xmlns:p="http://schemas.openxmlformats.org/presentationml/2006/main">
-  <p:cSld>
-    <p:spTree>
-      <p:nvGrpSpPr>
-        <p:cNvPr id="1" name=""/>
-        <p:cNvGrpSpPr/>
-        <p:nvPr/>
-      </p:nvGrpSpPr>
-      <p:grpSpPr>
-        <a:xfrm>
-          <a:off x="0" y="0"/>
-          <a:ext cx="0" cy="0"/>
-          <a:chOff x="0" y="0"/>
-          <a:chExt cx="0" cy="0"/>
-        </a:xfrm>
-      </p:grpSpPr>
-      <p:sp>
-        <p:nvSpPr>
-          <p:cNvPr id="2" name="Title 1">
-            <a:extLst>
-              <a:ext uri="{FF2B5EF4-FFF2-40B4-BE49-F238E27FC236}">
-                <a16:creationId xmlns:a16="http://schemas.microsoft.com/office/drawing/2014/main" id="{720F7917-8F2C-08B2-E632-A5C9FE70C0FE}"/>
-              </a:ext>
-            </a:extLst>
-          </p:cNvPr>
-          <p:cNvSpPr>
-            <a:spLocks noGrp="1"/>
-          </p:cNvSpPr>
-          <p:nvPr>
-            <p:ph type="ctrTitle"/>
-          </p:nvPr>
-        </p:nvSpPr>
-        <p:spPr/>
-        <p:txBody>
-          <a:bodyPr/>
-          <a:lstStyle/>
-          <a:p>
-            <a:r>
-              <a:rPr lang="en-US" dirty="0"/>
-              <a:t>Next … Section 2: Theory</a:t>
-            </a:r>
-          </a:p>
-        </p:txBody>
-      </p:sp>
-    </p:spTree>
-    <p:extLst>
-      <p:ext uri="{BB962C8B-B14F-4D97-AF65-F5344CB8AC3E}">
-        <p14:creationId xmlns:p14="http://schemas.microsoft.com/office/powerpoint/2010/main" val="2959818871"/>
       </p:ext>
     </p:extLst>
   </p:cSld>
